--- a/documentos/Banner_FECAP_1CCOMP_MW Bugs.pptx
+++ b/documentos/Banner_FECAP_1CCOMP_MW Bugs.pptx
@@ -159,6 +159,347 @@
 </p:presentation>
 </file>
 
+<file path=ppt/revisionInfo.xml><?xml version="1.0" encoding="utf-8"?>
+<p1510:revInfo xmlns:a="http://schemas.openxmlformats.org/drawingml/2006/main" xmlns:r="http://schemas.openxmlformats.org/officeDocument/2006/relationships" xmlns:p1510="http://schemas.microsoft.com/office/powerpoint/2015/10/main">
+  <p1510:revLst>
+    <p1510:client id="{BEE732DB-7715-4F50-8BE1-F737EC549486}" v="22" dt="2025-11-11T02:50:42.964"/>
+  </p1510:revLst>
+</p1510:revInfo>
+</file>
+
+<file path=ppt/changesInfos/changesInfo1.xml><?xml version="1.0" encoding="utf-8"?>
+<pc:chgInfo xmlns:a="http://schemas.openxmlformats.org/drawingml/2006/main" xmlns:r="http://schemas.openxmlformats.org/officeDocument/2006/relationships" xmlns:ac="http://schemas.microsoft.com/office/drawing/2013/main/command" xmlns:pc="http://schemas.microsoft.com/office/powerpoint/2013/main/command">
+  <pc:docChgLst>
+    <pc:chgData userId="453c7c322571ebb4" providerId="LiveId" clId="{3CECBE41-77DC-4445-80CE-FF98EBCC9559}"/>
+    <pc:docChg chg="undo modSld">
+      <pc:chgData name="" userId="453c7c322571ebb4" providerId="LiveId" clId="{3CECBE41-77DC-4445-80CE-FF98EBCC9559}" dt="2025-11-05T11:35:40.145" v="4" actId="20577"/>
+      <pc:docMkLst>
+        <pc:docMk/>
+      </pc:docMkLst>
+      <pc:sldChg chg="modSp">
+        <pc:chgData name="" userId="453c7c322571ebb4" providerId="LiveId" clId="{3CECBE41-77DC-4445-80CE-FF98EBCC9559}" dt="2025-11-05T11:35:40.145" v="4" actId="20577"/>
+        <pc:sldMkLst>
+          <pc:docMk/>
+          <pc:sldMk cId="2544194372" sldId="260"/>
+        </pc:sldMkLst>
+        <pc:spChg chg="mod">
+          <ac:chgData name="" userId="453c7c322571ebb4" providerId="LiveId" clId="{3CECBE41-77DC-4445-80CE-FF98EBCC9559}" dt="2025-11-05T11:33:14.249" v="1" actId="20577"/>
+          <ac:spMkLst>
+            <pc:docMk/>
+            <pc:sldMk cId="2544194372" sldId="260"/>
+            <ac:spMk id="8" creationId="{AE19C662-D68A-6035-2E4C-978100FAE83F}"/>
+          </ac:spMkLst>
+        </pc:spChg>
+        <pc:spChg chg="mod">
+          <ac:chgData name="" userId="453c7c322571ebb4" providerId="LiveId" clId="{3CECBE41-77DC-4445-80CE-FF98EBCC9559}" dt="2025-11-05T11:35:40.145" v="4" actId="20577"/>
+          <ac:spMkLst>
+            <pc:docMk/>
+            <pc:sldMk cId="2544194372" sldId="260"/>
+            <ac:spMk id="4102" creationId="{00000000-0000-0000-0000-000000000000}"/>
+          </ac:spMkLst>
+        </pc:spChg>
+      </pc:sldChg>
+    </pc:docChg>
+  </pc:docChgLst>
+  <pc:docChgLst>
+    <pc:chgData name="Usuário Convidado" providerId="Windows Live" clId="Web-{D981EDD5-25E4-945C-E469-F7FB2BD101ED}"/>
+    <pc:docChg chg="modSld">
+      <pc:chgData name="Usuário Convidado" userId="" providerId="Windows Live" clId="Web-{D981EDD5-25E4-945C-E469-F7FB2BD101ED}" dt="2025-11-03T21:12:05.587" v="715" actId="20577"/>
+      <pc:docMkLst>
+        <pc:docMk/>
+      </pc:docMkLst>
+      <pc:sldChg chg="modSp">
+        <pc:chgData name="Usuário Convidado" userId="" providerId="Windows Live" clId="Web-{D981EDD5-25E4-945C-E469-F7FB2BD101ED}" dt="2025-11-03T21:12:05.587" v="715" actId="20577"/>
+        <pc:sldMkLst>
+          <pc:docMk/>
+          <pc:sldMk cId="2544194372" sldId="260"/>
+        </pc:sldMkLst>
+        <pc:spChg chg="mod">
+          <ac:chgData name="Usuário Convidado" userId="" providerId="Windows Live" clId="Web-{D981EDD5-25E4-945C-E469-F7FB2BD101ED}" dt="2025-11-03T21:12:05.587" v="715" actId="20577"/>
+          <ac:spMkLst>
+            <pc:docMk/>
+            <pc:sldMk cId="2544194372" sldId="260"/>
+            <ac:spMk id="4" creationId="{6D4C09D9-51BE-953B-669D-23F72BD2F12D}"/>
+          </ac:spMkLst>
+        </pc:spChg>
+        <pc:spChg chg="mod">
+          <ac:chgData name="Usuário Convidado" userId="" providerId="Windows Live" clId="Web-{D981EDD5-25E4-945C-E469-F7FB2BD101ED}" dt="2025-11-03T21:04:24.565" v="711" actId="20577"/>
+          <ac:spMkLst>
+            <pc:docMk/>
+            <pc:sldMk cId="2544194372" sldId="260"/>
+            <ac:spMk id="4102" creationId="{00000000-0000-0000-0000-000000000000}"/>
+          </ac:spMkLst>
+        </pc:spChg>
+        <pc:picChg chg="mod">
+          <ac:chgData name="Usuário Convidado" userId="" providerId="Windows Live" clId="Web-{D981EDD5-25E4-945C-E469-F7FB2BD101ED}" dt="2025-11-03T21:03:30.454" v="704" actId="1076"/>
+          <ac:picMkLst>
+            <pc:docMk/>
+            <pc:sldMk cId="2544194372" sldId="260"/>
+            <ac:picMk id="6" creationId="{F65B9183-D015-4EDA-BC8C-5077C4505C15}"/>
+          </ac:picMkLst>
+        </pc:picChg>
+      </pc:sldChg>
+    </pc:docChg>
+  </pc:docChgLst>
+  <pc:docChgLst>
+    <pc:chgData name="Usuário Convidado" providerId="Windows Live" clId="Web-{A8D0FC55-E357-5BF0-1A99-9EE7B3D640E0}"/>
+    <pc:docChg chg="modSld">
+      <pc:chgData name="Usuário Convidado" userId="" providerId="Windows Live" clId="Web-{A8D0FC55-E357-5BF0-1A99-9EE7B3D640E0}" dt="2025-11-02T01:45:56.608" v="342" actId="20577"/>
+      <pc:docMkLst>
+        <pc:docMk/>
+      </pc:docMkLst>
+      <pc:sldChg chg="modSp">
+        <pc:chgData name="Usuário Convidado" userId="" providerId="Windows Live" clId="Web-{A8D0FC55-E357-5BF0-1A99-9EE7B3D640E0}" dt="2025-11-02T01:45:56.608" v="342" actId="20577"/>
+        <pc:sldMkLst>
+          <pc:docMk/>
+          <pc:sldMk cId="2544194372" sldId="260"/>
+        </pc:sldMkLst>
+        <pc:spChg chg="mod">
+          <ac:chgData name="Usuário Convidado" userId="" providerId="Windows Live" clId="Web-{A8D0FC55-E357-5BF0-1A99-9EE7B3D640E0}" dt="2025-11-02T01:45:56.608" v="342" actId="20577"/>
+          <ac:spMkLst>
+            <pc:docMk/>
+            <pc:sldMk cId="2544194372" sldId="260"/>
+            <ac:spMk id="4102" creationId="{00000000-0000-0000-0000-000000000000}"/>
+          </ac:spMkLst>
+        </pc:spChg>
+      </pc:sldChg>
+    </pc:docChg>
+  </pc:docChgLst>
+  <pc:docChgLst>
+    <pc:chgData name="Usuário Convidado" providerId="Windows Live" clId="Web-{E2E481CD-422B-9E70-166A-48FA065F474F}"/>
+    <pc:docChg chg="modSld">
+      <pc:chgData name="Usuário Convidado" userId="" providerId="Windows Live" clId="Web-{E2E481CD-422B-9E70-166A-48FA065F474F}" dt="2025-11-03T21:43:13.605" v="41" actId="1076"/>
+      <pc:docMkLst>
+        <pc:docMk/>
+      </pc:docMkLst>
+      <pc:sldChg chg="modSp">
+        <pc:chgData name="Usuário Convidado" userId="" providerId="Windows Live" clId="Web-{E2E481CD-422B-9E70-166A-48FA065F474F}" dt="2025-11-03T21:43:13.605" v="41" actId="1076"/>
+        <pc:sldMkLst>
+          <pc:docMk/>
+          <pc:sldMk cId="2544194372" sldId="260"/>
+        </pc:sldMkLst>
+        <pc:spChg chg="mod">
+          <ac:chgData name="Usuário Convidado" userId="" providerId="Windows Live" clId="Web-{E2E481CD-422B-9E70-166A-48FA065F474F}" dt="2025-11-03T21:37:37.241" v="40" actId="20577"/>
+          <ac:spMkLst>
+            <pc:docMk/>
+            <pc:sldMk cId="2544194372" sldId="260"/>
+            <ac:spMk id="4" creationId="{6D4C09D9-51BE-953B-669D-23F72BD2F12D}"/>
+          </ac:spMkLst>
+        </pc:spChg>
+        <pc:spChg chg="mod">
+          <ac:chgData name="Usuário Convidado" userId="" providerId="Windows Live" clId="Web-{E2E481CD-422B-9E70-166A-48FA065F474F}" dt="2025-11-03T21:43:13.605" v="41" actId="1076"/>
+          <ac:spMkLst>
+            <pc:docMk/>
+            <pc:sldMk cId="2544194372" sldId="260"/>
+            <ac:spMk id="29" creationId="{22108886-71AE-7425-406A-CC03C41D865B}"/>
+          </ac:spMkLst>
+        </pc:spChg>
+        <pc:picChg chg="mod">
+          <ac:chgData name="Usuário Convidado" userId="" providerId="Windows Live" clId="Web-{E2E481CD-422B-9E70-166A-48FA065F474F}" dt="2025-11-03T21:10:35.539" v="0" actId="1076"/>
+          <ac:picMkLst>
+            <pc:docMk/>
+            <pc:sldMk cId="2544194372" sldId="260"/>
+            <ac:picMk id="6" creationId="{F65B9183-D015-4EDA-BC8C-5077C4505C15}"/>
+          </ac:picMkLst>
+        </pc:picChg>
+      </pc:sldChg>
+    </pc:docChg>
+  </pc:docChgLst>
+  <pc:docChgLst>
+    <pc:chgData name="Lucas Soares" userId="453c7c322571ebb4" providerId="LiveId" clId="{7F81D69D-7A6A-4FB4-9E82-C5DEEF5599CB}"/>
+    <pc:docChg chg="undo custSel modSld">
+      <pc:chgData name="Lucas Soares" userId="453c7c322571ebb4" providerId="LiveId" clId="{7F81D69D-7A6A-4FB4-9E82-C5DEEF5599CB}" dt="2025-11-11T02:52:22.277" v="845" actId="20577"/>
+      <pc:docMkLst>
+        <pc:docMk/>
+      </pc:docMkLst>
+      <pc:sldChg chg="addSp delSp modSp mod">
+        <pc:chgData name="Lucas Soares" userId="453c7c322571ebb4" providerId="LiveId" clId="{7F81D69D-7A6A-4FB4-9E82-C5DEEF5599CB}" dt="2025-11-11T02:52:22.277" v="845" actId="20577"/>
+        <pc:sldMkLst>
+          <pc:docMk/>
+          <pc:sldMk cId="2544194372" sldId="260"/>
+        </pc:sldMkLst>
+        <pc:spChg chg="mod">
+          <ac:chgData name="Lucas Soares" userId="453c7c322571ebb4" providerId="LiveId" clId="{7F81D69D-7A6A-4FB4-9E82-C5DEEF5599CB}" dt="2025-11-03T21:28:53.842" v="294"/>
+          <ac:spMkLst>
+            <pc:docMk/>
+            <pc:sldMk cId="2544194372" sldId="260"/>
+            <ac:spMk id="2" creationId="{A584AD84-C68C-68B6-E7C1-1D0E2FA735DD}"/>
+          </ac:spMkLst>
+        </pc:spChg>
+        <pc:spChg chg="mod">
+          <ac:chgData name="Lucas Soares" userId="453c7c322571ebb4" providerId="LiveId" clId="{7F81D69D-7A6A-4FB4-9E82-C5DEEF5599CB}" dt="2025-11-03T21:40:40.298" v="323" actId="20577"/>
+          <ac:spMkLst>
+            <pc:docMk/>
+            <pc:sldMk cId="2544194372" sldId="260"/>
+            <ac:spMk id="4" creationId="{6D4C09D9-51BE-953B-669D-23F72BD2F12D}"/>
+          </ac:spMkLst>
+        </pc:spChg>
+        <pc:spChg chg="mod">
+          <ac:chgData name="Lucas Soares" userId="453c7c322571ebb4" providerId="LiveId" clId="{7F81D69D-7A6A-4FB4-9E82-C5DEEF5599CB}" dt="2025-11-03T22:11:51.413" v="671" actId="255"/>
+          <ac:spMkLst>
+            <pc:docMk/>
+            <pc:sldMk cId="2544194372" sldId="260"/>
+            <ac:spMk id="7" creationId="{C1758913-C53F-99C8-A545-3D8DE7E0ED34}"/>
+          </ac:spMkLst>
+        </pc:spChg>
+        <pc:spChg chg="mod">
+          <ac:chgData name="Lucas Soares" userId="453c7c322571ebb4" providerId="LiveId" clId="{7F81D69D-7A6A-4FB4-9E82-C5DEEF5599CB}" dt="2025-11-03T21:41:12.849" v="324" actId="113"/>
+          <ac:spMkLst>
+            <pc:docMk/>
+            <pc:sldMk cId="2544194372" sldId="260"/>
+            <ac:spMk id="8" creationId="{AE19C662-D68A-6035-2E4C-978100FAE83F}"/>
+          </ac:spMkLst>
+        </pc:spChg>
+        <pc:spChg chg="mod">
+          <ac:chgData name="Lucas Soares" userId="453c7c322571ebb4" providerId="LiveId" clId="{7F81D69D-7A6A-4FB4-9E82-C5DEEF5599CB}" dt="2025-11-03T21:21:08.442" v="269" actId="20577"/>
+          <ac:spMkLst>
+            <pc:docMk/>
+            <pc:sldMk cId="2544194372" sldId="260"/>
+            <ac:spMk id="4100" creationId="{00000000-0000-0000-0000-000000000000}"/>
+          </ac:spMkLst>
+        </pc:spChg>
+        <pc:spChg chg="mod">
+          <ac:chgData name="Lucas Soares" userId="453c7c322571ebb4" providerId="LiveId" clId="{7F81D69D-7A6A-4FB4-9E82-C5DEEF5599CB}" dt="2025-11-11T02:52:22.277" v="845" actId="20577"/>
+          <ac:spMkLst>
+            <pc:docMk/>
+            <pc:sldMk cId="2544194372" sldId="260"/>
+            <ac:spMk id="4102" creationId="{00000000-0000-0000-0000-000000000000}"/>
+          </ac:spMkLst>
+        </pc:spChg>
+        <pc:spChg chg="mod">
+          <ac:chgData name="Lucas Soares" userId="453c7c322571ebb4" providerId="LiveId" clId="{7F81D69D-7A6A-4FB4-9E82-C5DEEF5599CB}" dt="2025-11-03T21:19:52.619" v="108" actId="20577"/>
+          <ac:spMkLst>
+            <pc:docMk/>
+            <pc:sldMk cId="2544194372" sldId="260"/>
+            <ac:spMk id="4108" creationId="{00000000-0000-0000-0000-000000000000}"/>
+          </ac:spMkLst>
+        </pc:spChg>
+        <pc:spChg chg="mod">
+          <ac:chgData name="Lucas Soares" userId="453c7c322571ebb4" providerId="LiveId" clId="{7F81D69D-7A6A-4FB4-9E82-C5DEEF5599CB}" dt="2025-11-03T21:16:23.114" v="95" actId="20577"/>
+          <ac:spMkLst>
+            <pc:docMk/>
+            <pc:sldMk cId="2544194372" sldId="260"/>
+            <ac:spMk id="4109" creationId="{00000000-0000-0000-0000-000000000000}"/>
+          </ac:spMkLst>
+        </pc:spChg>
+        <pc:picChg chg="mod">
+          <ac:chgData name="Lucas Soares" userId="453c7c322571ebb4" providerId="LiveId" clId="{7F81D69D-7A6A-4FB4-9E82-C5DEEF5599CB}" dt="2025-11-11T02:51:11.453" v="749" actId="14100"/>
+          <ac:picMkLst>
+            <pc:docMk/>
+            <pc:sldMk cId="2544194372" sldId="260"/>
+            <ac:picMk id="6" creationId="{F65B9183-D015-4EDA-BC8C-5077C4505C15}"/>
+          </ac:picMkLst>
+        </pc:picChg>
+        <pc:picChg chg="add del mod">
+          <ac:chgData name="Lucas Soares" userId="453c7c322571ebb4" providerId="LiveId" clId="{7F81D69D-7A6A-4FB4-9E82-C5DEEF5599CB}" dt="2025-11-11T02:46:11.406" v="674" actId="478"/>
+          <ac:picMkLst>
+            <pc:docMk/>
+            <pc:sldMk cId="2544194372" sldId="260"/>
+            <ac:picMk id="9" creationId="{F1543FA9-6E62-67D8-E12E-B5383E6B83F2}"/>
+          </ac:picMkLst>
+        </pc:picChg>
+        <pc:picChg chg="add mod">
+          <ac:chgData name="Lucas Soares" userId="453c7c322571ebb4" providerId="LiveId" clId="{7F81D69D-7A6A-4FB4-9E82-C5DEEF5599CB}" dt="2025-11-11T02:50:21.267" v="734" actId="14100"/>
+          <ac:picMkLst>
+            <pc:docMk/>
+            <pc:sldMk cId="2544194372" sldId="260"/>
+            <ac:picMk id="11" creationId="{42B47355-BDDE-E62B-B1D6-B4EB5ABEDA27}"/>
+          </ac:picMkLst>
+        </pc:picChg>
+        <pc:picChg chg="add mod">
+          <ac:chgData name="Lucas Soares" userId="453c7c322571ebb4" providerId="LiveId" clId="{7F81D69D-7A6A-4FB4-9E82-C5DEEF5599CB}" dt="2025-11-11T02:50:24.321" v="735" actId="14100"/>
+          <ac:picMkLst>
+            <pc:docMk/>
+            <pc:sldMk cId="2544194372" sldId="260"/>
+            <ac:picMk id="13" creationId="{8F6C0147-D301-9B4B-8FEC-636E78A91CBF}"/>
+          </ac:picMkLst>
+        </pc:picChg>
+        <pc:picChg chg="add mod">
+          <ac:chgData name="Lucas Soares" userId="453c7c322571ebb4" providerId="LiveId" clId="{7F81D69D-7A6A-4FB4-9E82-C5DEEF5599CB}" dt="2025-11-11T02:49:43.110" v="721" actId="1076"/>
+          <ac:picMkLst>
+            <pc:docMk/>
+            <pc:sldMk cId="2544194372" sldId="260"/>
+            <ac:picMk id="15" creationId="{69C1FD86-4A11-569B-CB17-6B2622A34AD0}"/>
+          </ac:picMkLst>
+        </pc:picChg>
+        <pc:picChg chg="add del mod">
+          <ac:chgData name="Lucas Soares" userId="453c7c322571ebb4" providerId="LiveId" clId="{7F81D69D-7A6A-4FB4-9E82-C5DEEF5599CB}" dt="2025-11-11T02:46:27.569" v="684" actId="478"/>
+          <ac:picMkLst>
+            <pc:docMk/>
+            <pc:sldMk cId="2544194372" sldId="260"/>
+            <ac:picMk id="23" creationId="{9CF7B4B0-A943-82E5-3059-4EDEBF8354A9}"/>
+          </ac:picMkLst>
+        </pc:picChg>
+        <pc:picChg chg="add del mod">
+          <ac:chgData name="Lucas Soares" userId="453c7c322571ebb4" providerId="LiveId" clId="{7F81D69D-7A6A-4FB4-9E82-C5DEEF5599CB}" dt="2025-11-11T02:43:16.531" v="673" actId="478"/>
+          <ac:picMkLst>
+            <pc:docMk/>
+            <pc:sldMk cId="2544194372" sldId="260"/>
+            <ac:picMk id="25" creationId="{E575F499-3144-37E2-E777-8598F07F3834}"/>
+          </ac:picMkLst>
+        </pc:picChg>
+        <pc:picChg chg="add del mod">
+          <ac:chgData name="Lucas Soares" userId="453c7c322571ebb4" providerId="LiveId" clId="{7F81D69D-7A6A-4FB4-9E82-C5DEEF5599CB}" dt="2025-11-11T02:43:16.531" v="673" actId="478"/>
+          <ac:picMkLst>
+            <pc:docMk/>
+            <pc:sldMk cId="2544194372" sldId="260"/>
+            <ac:picMk id="27" creationId="{7D538387-F4D6-2389-5AC9-EC496250AC99}"/>
+          </ac:picMkLst>
+        </pc:picChg>
+        <pc:picChg chg="add del mod">
+          <ac:chgData name="Lucas Soares" userId="453c7c322571ebb4" providerId="LiveId" clId="{7F81D69D-7A6A-4FB4-9E82-C5DEEF5599CB}" dt="2025-11-11T02:43:16.531" v="673" actId="478"/>
+          <ac:picMkLst>
+            <pc:docMk/>
+            <pc:sldMk cId="2544194372" sldId="260"/>
+            <ac:picMk id="30" creationId="{311A15C1-6E35-0B1D-C1B7-3D95C410CD01}"/>
+          </ac:picMkLst>
+        </pc:picChg>
+        <pc:picChg chg="add del mod">
+          <ac:chgData name="Lucas Soares" userId="453c7c322571ebb4" providerId="LiveId" clId="{7F81D69D-7A6A-4FB4-9E82-C5DEEF5599CB}" dt="2025-11-11T02:43:16.531" v="673" actId="478"/>
+          <ac:picMkLst>
+            <pc:docMk/>
+            <pc:sldMk cId="2544194372" sldId="260"/>
+            <ac:picMk id="32" creationId="{908D2F93-4F37-6EF6-A2C4-C3A7F92FD16D}"/>
+          </ac:picMkLst>
+        </pc:picChg>
+        <pc:picChg chg="add del mod">
+          <ac:chgData name="Lucas Soares" userId="453c7c322571ebb4" providerId="LiveId" clId="{7F81D69D-7A6A-4FB4-9E82-C5DEEF5599CB}" dt="2025-11-11T02:43:16.531" v="673" actId="478"/>
+          <ac:picMkLst>
+            <pc:docMk/>
+            <pc:sldMk cId="2544194372" sldId="260"/>
+            <ac:picMk id="34" creationId="{5DD98063-22FA-E0EC-D641-07BC52C3B704}"/>
+          </ac:picMkLst>
+        </pc:picChg>
+        <pc:picChg chg="add del mod">
+          <ac:chgData name="Lucas Soares" userId="453c7c322571ebb4" providerId="LiveId" clId="{7F81D69D-7A6A-4FB4-9E82-C5DEEF5599CB}" dt="2025-11-11T02:43:16.531" v="673" actId="478"/>
+          <ac:picMkLst>
+            <pc:docMk/>
+            <pc:sldMk cId="2544194372" sldId="260"/>
+            <ac:picMk id="36" creationId="{600E9419-671D-F7D2-BEA0-919263C0B3E9}"/>
+          </ac:picMkLst>
+        </pc:picChg>
+        <pc:picChg chg="add mod">
+          <ac:chgData name="Lucas Soares" userId="453c7c322571ebb4" providerId="LiveId" clId="{7F81D69D-7A6A-4FB4-9E82-C5DEEF5599CB}" dt="2025-11-11T02:50:42.964" v="745" actId="1076"/>
+          <ac:picMkLst>
+            <pc:docMk/>
+            <pc:sldMk cId="2544194372" sldId="260"/>
+            <ac:picMk id="1026" creationId="{B7A12000-B85C-A442-EADB-D2A4D111A873}"/>
+          </ac:picMkLst>
+        </pc:picChg>
+        <pc:picChg chg="add mod">
+          <ac:chgData name="Lucas Soares" userId="453c7c322571ebb4" providerId="LiveId" clId="{7F81D69D-7A6A-4FB4-9E82-C5DEEF5599CB}" dt="2025-11-11T02:50:39.492" v="743" actId="1076"/>
+          <ac:picMkLst>
+            <pc:docMk/>
+            <pc:sldMk cId="2544194372" sldId="260"/>
+            <ac:picMk id="1028" creationId="{4D6155B9-B8AE-476C-69CC-65AC7C616265}"/>
+          </ac:picMkLst>
+        </pc:picChg>
+      </pc:sldChg>
+    </pc:docChg>
+  </pc:docChgLst>
+</pc:chgInfo>
+</file>
+
 <file path=ppt/handoutMasters/handoutMaster1.xml><?xml version="1.0" encoding="utf-8"?>
 <p:handoutMaster xmlns:a="http://schemas.openxmlformats.org/drawingml/2006/main" xmlns:r="http://schemas.openxmlformats.org/officeDocument/2006/relationships" xmlns:p="http://schemas.openxmlformats.org/presentationml/2006/main">
   <p:cSld>
@@ -891,7 +1232,7 @@
                 <a:spcPct val="0"/>
               </a:spcBef>
             </a:pPr>
-            <a:endParaRPr lang="en-US" dirty="0">
+            <a:endParaRPr lang="en-US">
               <a:ea typeface="ＭＳ Ｐゴシック" pitchFamily="34" charset="-128"/>
             </a:endParaRPr>
           </a:p>
@@ -4164,8 +4505,8 @@
         </p:blipFill>
         <p:spPr>
           <a:xfrm>
-            <a:off x="12740" y="10648"/>
-            <a:ext cx="28774944" cy="43179343"/>
+            <a:off x="-11253" y="0"/>
+            <a:ext cx="28824418" cy="43200638"/>
           </a:xfrm>
           <a:prstGeom prst="rect">
             <a:avLst/>
@@ -4220,11 +4561,39 @@
           <a:p>
             <a:pPr algn="ctr" eaLnBrk="1" hangingPunct="1"/>
             <a:r>
-              <a:rPr lang="pt-BR" sz="3733" b="1" dirty="0">
+              <a:rPr lang="pt-BR" sz="3733" b="1">
                 <a:ea typeface="ＭＳ Ｐゴシック" pitchFamily="34" charset="-128"/>
                 <a:cs typeface="Times New Roman" pitchFamily="18" charset="0"/>
               </a:rPr>
-              <a:t> Alunos; Alunos; Alunos; Alunos; Alunos; Alunos;</a:t>
+              <a:t> </a:t>
+            </a:r>
+            <a:r>
+              <a:rPr lang="pt-BR" sz="3733" b="1" err="1">
+                <a:ea typeface="ＭＳ Ｐゴシック" pitchFamily="34" charset="-128"/>
+                <a:cs typeface="Times New Roman" pitchFamily="18" charset="0"/>
+              </a:rPr>
+              <a:t>Emilly</a:t>
+            </a:r>
+            <a:r>
+              <a:rPr lang="pt-BR" sz="3733" b="1">
+                <a:ea typeface="ＭＳ Ｐゴシック" pitchFamily="34" charset="-128"/>
+                <a:cs typeface="Times New Roman" pitchFamily="18" charset="0"/>
+              </a:rPr>
+              <a:t> Oliveira dos Santos; Guilherme </a:t>
+            </a:r>
+            <a:r>
+              <a:rPr lang="pt-BR" sz="3733" b="1" err="1">
+                <a:ea typeface="ＭＳ Ｐゴシック" pitchFamily="34" charset="-128"/>
+                <a:cs typeface="Times New Roman" pitchFamily="18" charset="0"/>
+              </a:rPr>
+              <a:t>Belcastro</a:t>
+            </a:r>
+            <a:r>
+              <a:rPr lang="pt-BR" sz="3733" b="1">
+                <a:ea typeface="ＭＳ Ｐゴシック" pitchFamily="34" charset="-128"/>
+                <a:cs typeface="Times New Roman" pitchFamily="18" charset="0"/>
+              </a:rPr>
+              <a:t> Medeiros; Kaike Cavalcante Santos; Lucas de Freitas Soares</a:t>
             </a:r>
           </a:p>
         </p:txBody>
@@ -4240,7 +4609,7 @@
         <p:spPr bwMode="auto">
           <a:xfrm>
             <a:off x="690522" y="4992304"/>
-            <a:ext cx="13284851" cy="6165470"/>
+            <a:ext cx="13284851" cy="3216265"/>
           </a:xfrm>
           <a:prstGeom prst="rect">
             <a:avLst/>
@@ -4270,7 +4639,7 @@
           </a:extLst>
         </p:spPr>
         <p:txBody>
-          <a:bodyPr wrap="square">
+          <a:bodyPr wrap="square" lIns="91440" tIns="45720" rIns="91440" bIns="45720" anchor="t">
             <a:spAutoFit/>
           </a:bodyPr>
           <a:lstStyle/>
@@ -4290,582 +4659,61 @@
               </a:spcAft>
             </a:pPr>
             <a:r>
-              <a:rPr lang="pt-BR" sz="3733" dirty="0"/>
-              <a:t> </a:t>
-            </a:r>
-            <a:r>
-              <a:rPr lang="pt-BR" sz="2666" dirty="0"/>
+              <a:rPr lang="pt-BR" sz="3700" dirty="0">
+                <a:latin typeface="Arial"/>
+                <a:cs typeface="Arial"/>
+              </a:rPr>
               <a:t>	 </a:t>
             </a:r>
             <a:r>
               <a:rPr lang="pt-BR" sz="2400" dirty="0">
-                <a:highlight>
-                  <a:srgbClr val="FFFF00"/>
-                </a:highlight>
+                <a:latin typeface="Arial"/>
+                <a:cs typeface="Arial"/>
               </a:rPr>
-              <a:t>Descreva sobre sua equipe, quem focou em qual parte do trabalho...</a:t>
-            </a:r>
-            <a:r>
-              <a:rPr lang="pt-BR" sz="2400" dirty="0"/>
-              <a:t>- </a:t>
-            </a:r>
-            <a:r>
-              <a:rPr lang="pt-BR" sz="2400" dirty="0" err="1"/>
-              <a:t>nononon</a:t>
-            </a:r>
-            <a:r>
-              <a:rPr lang="pt-BR" sz="2400" dirty="0"/>
-              <a:t> </a:t>
-            </a:r>
-            <a:r>
-              <a:rPr lang="pt-BR" sz="2400" dirty="0" err="1"/>
-              <a:t>on</a:t>
-            </a:r>
-            <a:r>
-              <a:rPr lang="pt-BR" sz="2400" dirty="0"/>
-              <a:t> o non </a:t>
-            </a:r>
-            <a:r>
-              <a:rPr lang="pt-BR" sz="2400" dirty="0" err="1"/>
-              <a:t>on</a:t>
-            </a:r>
-            <a:r>
-              <a:rPr lang="pt-BR" sz="2400" dirty="0"/>
-              <a:t> </a:t>
-            </a:r>
-            <a:r>
-              <a:rPr lang="pt-BR" sz="2400" dirty="0" err="1"/>
-              <a:t>on</a:t>
-            </a:r>
-            <a:r>
-              <a:rPr lang="pt-BR" sz="2400" dirty="0"/>
-              <a:t> </a:t>
-            </a:r>
-            <a:r>
-              <a:rPr lang="pt-BR" sz="2400" dirty="0" err="1"/>
-              <a:t>on</a:t>
-            </a:r>
-            <a:r>
-              <a:rPr lang="pt-BR" sz="2400" dirty="0"/>
-              <a:t> </a:t>
-            </a:r>
-            <a:r>
-              <a:rPr lang="pt-BR" sz="2400" dirty="0" err="1"/>
-              <a:t>onononon</a:t>
-            </a:r>
-            <a:r>
-              <a:rPr lang="pt-BR" sz="2400" dirty="0"/>
-              <a:t> </a:t>
-            </a:r>
-            <a:r>
-              <a:rPr lang="pt-BR" sz="2400" dirty="0" err="1"/>
-              <a:t>ononon</a:t>
-            </a:r>
-            <a:r>
-              <a:rPr lang="pt-BR" sz="2400" dirty="0"/>
-              <a:t> </a:t>
-            </a:r>
-            <a:r>
-              <a:rPr lang="pt-BR" sz="2400" dirty="0" err="1"/>
-              <a:t>ononononononon</a:t>
-            </a:r>
-            <a:r>
-              <a:rPr lang="pt-BR" sz="2400" dirty="0"/>
-              <a:t> </a:t>
-            </a:r>
-            <a:r>
-              <a:rPr lang="pt-BR" sz="2400" dirty="0" err="1"/>
-              <a:t>ononononon</a:t>
-            </a:r>
-            <a:r>
-              <a:rPr lang="pt-BR" sz="2400" dirty="0"/>
-              <a:t> </a:t>
-            </a:r>
-            <a:r>
-              <a:rPr lang="pt-BR" sz="2400" dirty="0" err="1"/>
-              <a:t>onononononon</a:t>
-            </a:r>
-            <a:r>
-              <a:rPr lang="pt-BR" sz="2400" dirty="0"/>
-              <a:t> </a:t>
-            </a:r>
-            <a:r>
-              <a:rPr lang="pt-BR" sz="2400" dirty="0" err="1"/>
-              <a:t>ononononono</a:t>
-            </a:r>
-            <a:r>
-              <a:rPr lang="pt-BR" sz="2400" dirty="0"/>
-              <a:t> </a:t>
-            </a:r>
-            <a:r>
-              <a:rPr lang="pt-BR" sz="2400" dirty="0" err="1"/>
-              <a:t>nonononono</a:t>
-            </a:r>
-            <a:r>
-              <a:rPr lang="pt-BR" sz="2400" dirty="0"/>
-              <a:t> </a:t>
-            </a:r>
-            <a:r>
-              <a:rPr lang="pt-BR" sz="2400" dirty="0" err="1"/>
-              <a:t>nonononononon</a:t>
-            </a:r>
-            <a:r>
-              <a:rPr lang="pt-BR" sz="3200" dirty="0"/>
-              <a:t> </a:t>
-            </a:r>
-            <a:r>
-              <a:rPr lang="pt-BR" sz="2400" dirty="0"/>
-              <a:t>	  </a:t>
-            </a:r>
-            <a:r>
-              <a:rPr lang="pt-BR" sz="2400" dirty="0" err="1"/>
-              <a:t>nononon</a:t>
-            </a:r>
-            <a:r>
-              <a:rPr lang="pt-BR" sz="2400" dirty="0"/>
-              <a:t> </a:t>
-            </a:r>
-            <a:r>
-              <a:rPr lang="pt-BR" sz="2400" dirty="0" err="1"/>
-              <a:t>on</a:t>
-            </a:r>
-            <a:r>
-              <a:rPr lang="pt-BR" sz="2400" dirty="0"/>
-              <a:t> o non </a:t>
-            </a:r>
-            <a:r>
-              <a:rPr lang="pt-BR" sz="2400" dirty="0" err="1"/>
-              <a:t>on</a:t>
-            </a:r>
-            <a:r>
-              <a:rPr lang="pt-BR" sz="2400" dirty="0"/>
-              <a:t> </a:t>
-            </a:r>
-            <a:r>
-              <a:rPr lang="pt-BR" sz="2400" dirty="0" err="1"/>
-              <a:t>on</a:t>
-            </a:r>
-            <a:r>
-              <a:rPr lang="pt-BR" sz="2400" dirty="0"/>
-              <a:t> </a:t>
-            </a:r>
-            <a:r>
-              <a:rPr lang="pt-BR" sz="2400" dirty="0" err="1"/>
-              <a:t>on</a:t>
-            </a:r>
-            <a:r>
-              <a:rPr lang="pt-BR" sz="2400" dirty="0"/>
-              <a:t> </a:t>
-            </a:r>
-            <a:r>
-              <a:rPr lang="pt-BR" sz="2400" dirty="0" err="1"/>
-              <a:t>onononon</a:t>
-            </a:r>
-            <a:r>
-              <a:rPr lang="pt-BR" sz="2400" dirty="0"/>
-              <a:t> </a:t>
-            </a:r>
-            <a:r>
-              <a:rPr lang="pt-BR" sz="2400" dirty="0" err="1"/>
-              <a:t>ononon</a:t>
-            </a:r>
-            <a:r>
-              <a:rPr lang="pt-BR" sz="2400" dirty="0"/>
-              <a:t> </a:t>
-            </a:r>
-            <a:r>
-              <a:rPr lang="pt-BR" sz="2400" dirty="0" err="1"/>
-              <a:t>ononononononon</a:t>
-            </a:r>
-            <a:r>
-              <a:rPr lang="pt-BR" sz="2400" dirty="0"/>
-              <a:t> </a:t>
-            </a:r>
-            <a:r>
-              <a:rPr lang="pt-BR" sz="2400" dirty="0" err="1"/>
-              <a:t>ononononon</a:t>
-            </a:r>
-            <a:r>
-              <a:rPr lang="pt-BR" sz="2400" dirty="0"/>
-              <a:t> </a:t>
-            </a:r>
-            <a:r>
-              <a:rPr lang="pt-BR" sz="2400" dirty="0" err="1"/>
-              <a:t>onononononon</a:t>
-            </a:r>
-            <a:r>
-              <a:rPr lang="pt-BR" sz="2400" dirty="0"/>
-              <a:t> </a:t>
-            </a:r>
-            <a:r>
-              <a:rPr lang="pt-BR" sz="2400" dirty="0" err="1"/>
-              <a:t>ononononono</a:t>
-            </a:r>
-            <a:r>
-              <a:rPr lang="pt-BR" sz="2400" dirty="0"/>
-              <a:t> </a:t>
-            </a:r>
-            <a:r>
-              <a:rPr lang="pt-BR" sz="2400" dirty="0" err="1"/>
-              <a:t>nonononono</a:t>
-            </a:r>
-            <a:r>
-              <a:rPr lang="pt-BR" sz="2400" dirty="0"/>
-              <a:t> </a:t>
-            </a:r>
-            <a:r>
-              <a:rPr lang="pt-BR" sz="2400" dirty="0" err="1"/>
-              <a:t>nonononononon</a:t>
-            </a:r>
-            <a:r>
-              <a:rPr lang="pt-BR" sz="3200" dirty="0"/>
-              <a:t> </a:t>
-            </a:r>
-            <a:r>
-              <a:rPr lang="pt-BR" sz="2400" dirty="0"/>
-              <a:t>	  </a:t>
-            </a:r>
-            <a:r>
-              <a:rPr lang="pt-BR" sz="2400" dirty="0" err="1"/>
-              <a:t>nononon</a:t>
-            </a:r>
-            <a:r>
-              <a:rPr lang="pt-BR" sz="2400" dirty="0"/>
-              <a:t> </a:t>
-            </a:r>
-            <a:r>
-              <a:rPr lang="pt-BR" sz="2400" dirty="0" err="1"/>
-              <a:t>on</a:t>
-            </a:r>
-            <a:r>
-              <a:rPr lang="pt-BR" sz="2400" dirty="0"/>
-              <a:t> o non </a:t>
-            </a:r>
-            <a:r>
-              <a:rPr lang="pt-BR" sz="2400" dirty="0" err="1"/>
-              <a:t>on</a:t>
-            </a:r>
-            <a:r>
-              <a:rPr lang="pt-BR" sz="2400" dirty="0"/>
-              <a:t> </a:t>
-            </a:r>
-            <a:r>
-              <a:rPr lang="pt-BR" sz="2400" dirty="0" err="1"/>
-              <a:t>on</a:t>
-            </a:r>
-            <a:r>
-              <a:rPr lang="pt-BR" sz="2400" dirty="0"/>
-              <a:t> </a:t>
-            </a:r>
-            <a:r>
-              <a:rPr lang="pt-BR" sz="2400" dirty="0" err="1"/>
-              <a:t>on</a:t>
-            </a:r>
-            <a:r>
-              <a:rPr lang="pt-BR" sz="2400" dirty="0"/>
-              <a:t> </a:t>
-            </a:r>
-            <a:r>
-              <a:rPr lang="pt-BR" sz="2400" dirty="0" err="1"/>
-              <a:t>onononon</a:t>
-            </a:r>
-            <a:r>
-              <a:rPr lang="pt-BR" sz="2400" dirty="0"/>
-              <a:t> </a:t>
-            </a:r>
-            <a:r>
-              <a:rPr lang="pt-BR" sz="2400" dirty="0" err="1"/>
-              <a:t>ononon</a:t>
-            </a:r>
-            <a:r>
-              <a:rPr lang="pt-BR" sz="2400" dirty="0"/>
-              <a:t> </a:t>
-            </a:r>
-            <a:r>
-              <a:rPr lang="pt-BR" sz="2400" dirty="0" err="1"/>
-              <a:t>ononononononon</a:t>
-            </a:r>
-            <a:r>
-              <a:rPr lang="pt-BR" sz="2400" dirty="0"/>
-              <a:t> </a:t>
-            </a:r>
-            <a:r>
-              <a:rPr lang="pt-BR" sz="2400" dirty="0" err="1"/>
-              <a:t>ononononon</a:t>
-            </a:r>
-            <a:r>
-              <a:rPr lang="pt-BR" sz="2400" dirty="0"/>
-              <a:t> </a:t>
-            </a:r>
-            <a:r>
-              <a:rPr lang="pt-BR" sz="2400" dirty="0" err="1"/>
-              <a:t>onononononon</a:t>
-            </a:r>
-            <a:r>
-              <a:rPr lang="pt-BR" sz="2400" dirty="0"/>
-              <a:t> </a:t>
-            </a:r>
-            <a:r>
-              <a:rPr lang="pt-BR" sz="2400" dirty="0" err="1"/>
-              <a:t>ononononono</a:t>
-            </a:r>
-            <a:r>
-              <a:rPr lang="pt-BR" sz="2400" dirty="0"/>
-              <a:t> </a:t>
-            </a:r>
-            <a:r>
-              <a:rPr lang="pt-BR" sz="2400" dirty="0" err="1"/>
-              <a:t>nonononono</a:t>
-            </a:r>
-            <a:r>
-              <a:rPr lang="pt-BR" sz="2400" dirty="0"/>
-              <a:t> </a:t>
-            </a:r>
-            <a:r>
-              <a:rPr lang="pt-BR" sz="2400" dirty="0" err="1"/>
-              <a:t>nonononononon</a:t>
-            </a:r>
-            <a:r>
-              <a:rPr lang="pt-BR" sz="3200" dirty="0"/>
-              <a:t> </a:t>
-            </a:r>
-            <a:r>
-              <a:rPr lang="pt-BR" sz="2400" dirty="0"/>
-              <a:t>	  </a:t>
-            </a:r>
-            <a:r>
-              <a:rPr lang="pt-BR" sz="2400" dirty="0" err="1"/>
-              <a:t>nononon</a:t>
-            </a:r>
-            <a:r>
-              <a:rPr lang="pt-BR" sz="2400" dirty="0"/>
-              <a:t> </a:t>
-            </a:r>
-            <a:r>
-              <a:rPr lang="pt-BR" sz="2400" dirty="0" err="1"/>
-              <a:t>on</a:t>
-            </a:r>
-            <a:r>
-              <a:rPr lang="pt-BR" sz="2400" dirty="0"/>
-              <a:t> o non </a:t>
-            </a:r>
-            <a:r>
-              <a:rPr lang="pt-BR" sz="2400" dirty="0" err="1"/>
-              <a:t>on</a:t>
-            </a:r>
-            <a:r>
-              <a:rPr lang="pt-BR" sz="2400" dirty="0"/>
-              <a:t> </a:t>
-            </a:r>
-            <a:r>
-              <a:rPr lang="pt-BR" sz="2400" dirty="0" err="1"/>
-              <a:t>on</a:t>
-            </a:r>
-            <a:r>
-              <a:rPr lang="pt-BR" sz="2400" dirty="0"/>
-              <a:t> </a:t>
-            </a:r>
-            <a:r>
-              <a:rPr lang="pt-BR" sz="2400" dirty="0" err="1"/>
-              <a:t>on</a:t>
-            </a:r>
-            <a:r>
-              <a:rPr lang="pt-BR" sz="2400" dirty="0"/>
-              <a:t> </a:t>
-            </a:r>
-            <a:r>
-              <a:rPr lang="pt-BR" sz="2400" dirty="0" err="1"/>
-              <a:t>onononon</a:t>
-            </a:r>
-            <a:r>
-              <a:rPr lang="pt-BR" sz="2400" dirty="0"/>
-              <a:t> </a:t>
-            </a:r>
-            <a:r>
-              <a:rPr lang="pt-BR" sz="2400" dirty="0" err="1"/>
-              <a:t>ononon</a:t>
-            </a:r>
-            <a:r>
-              <a:rPr lang="pt-BR" sz="2400" dirty="0"/>
-              <a:t> </a:t>
-            </a:r>
-            <a:r>
-              <a:rPr lang="pt-BR" sz="2400" dirty="0" err="1"/>
-              <a:t>ononononononon</a:t>
-            </a:r>
-            <a:r>
-              <a:rPr lang="pt-BR" sz="2400" dirty="0"/>
-              <a:t> </a:t>
-            </a:r>
-            <a:r>
-              <a:rPr lang="pt-BR" sz="2400" dirty="0" err="1"/>
-              <a:t>ononononon</a:t>
-            </a:r>
-            <a:r>
-              <a:rPr lang="pt-BR" sz="2400" dirty="0"/>
-              <a:t> </a:t>
-            </a:r>
-            <a:r>
-              <a:rPr lang="pt-BR" sz="2400" dirty="0" err="1"/>
-              <a:t>onononononon</a:t>
-            </a:r>
-            <a:r>
-              <a:rPr lang="pt-BR" sz="2400" dirty="0"/>
-              <a:t> </a:t>
-            </a:r>
-            <a:r>
-              <a:rPr lang="pt-BR" sz="2400" dirty="0" err="1"/>
-              <a:t>ononononono</a:t>
-            </a:r>
-            <a:r>
-              <a:rPr lang="pt-BR" sz="2400" dirty="0"/>
-              <a:t> </a:t>
-            </a:r>
-            <a:r>
-              <a:rPr lang="pt-BR" sz="2400" dirty="0" err="1"/>
-              <a:t>nonononono</a:t>
-            </a:r>
-            <a:r>
-              <a:rPr lang="pt-BR" sz="2400" dirty="0"/>
-              <a:t> </a:t>
-            </a:r>
-            <a:r>
-              <a:rPr lang="pt-BR" sz="2400" dirty="0" err="1"/>
-              <a:t>nononononononnonononono</a:t>
-            </a:r>
-            <a:r>
-              <a:rPr lang="pt-BR" sz="2400" dirty="0"/>
-              <a:t> </a:t>
-            </a:r>
-            <a:r>
-              <a:rPr lang="pt-BR" sz="2400" dirty="0" err="1"/>
-              <a:t>nonononononon</a:t>
-            </a:r>
-            <a:r>
-              <a:rPr lang="pt-BR" sz="3200" dirty="0"/>
-              <a:t> </a:t>
-            </a:r>
-            <a:r>
-              <a:rPr lang="pt-BR" sz="2400" dirty="0"/>
-              <a:t>	  </a:t>
-            </a:r>
-            <a:r>
-              <a:rPr lang="pt-BR" sz="2400" dirty="0" err="1"/>
-              <a:t>nononon</a:t>
-            </a:r>
-            <a:r>
-              <a:rPr lang="pt-BR" sz="2400" dirty="0"/>
-              <a:t> </a:t>
-            </a:r>
-            <a:r>
-              <a:rPr lang="pt-BR" sz="2400" dirty="0" err="1"/>
-              <a:t>on</a:t>
-            </a:r>
-            <a:r>
-              <a:rPr lang="pt-BR" sz="2400" dirty="0"/>
-              <a:t> o non </a:t>
-            </a:r>
-            <a:r>
-              <a:rPr lang="pt-BR" sz="2400" dirty="0" err="1"/>
-              <a:t>on</a:t>
-            </a:r>
-            <a:r>
-              <a:rPr lang="pt-BR" sz="2400" dirty="0"/>
-              <a:t> </a:t>
-            </a:r>
-            <a:r>
-              <a:rPr lang="pt-BR" sz="2400" dirty="0" err="1"/>
-              <a:t>on</a:t>
-            </a:r>
-            <a:r>
-              <a:rPr lang="pt-BR" sz="2400" dirty="0"/>
-              <a:t> </a:t>
-            </a:r>
-            <a:r>
-              <a:rPr lang="pt-BR" sz="2400" dirty="0" err="1"/>
-              <a:t>on</a:t>
-            </a:r>
-            <a:r>
-              <a:rPr lang="pt-BR" sz="2400" dirty="0"/>
-              <a:t> </a:t>
-            </a:r>
-            <a:r>
-              <a:rPr lang="pt-BR" sz="2400" dirty="0" err="1"/>
-              <a:t>onononon</a:t>
-            </a:r>
-            <a:r>
-              <a:rPr lang="pt-BR" sz="2400" dirty="0"/>
-              <a:t> </a:t>
-            </a:r>
-            <a:r>
-              <a:rPr lang="pt-BR" sz="2400" dirty="0" err="1"/>
-              <a:t>ononon</a:t>
-            </a:r>
-            <a:r>
-              <a:rPr lang="pt-BR" sz="2400" dirty="0"/>
-              <a:t> </a:t>
-            </a:r>
-            <a:r>
-              <a:rPr lang="pt-BR" sz="2400" dirty="0" err="1"/>
-              <a:t>ononononononon</a:t>
-            </a:r>
-            <a:r>
-              <a:rPr lang="pt-BR" sz="2400" dirty="0"/>
-              <a:t> </a:t>
-            </a:r>
-            <a:r>
-              <a:rPr lang="pt-BR" sz="2400" dirty="0" err="1"/>
-              <a:t>ononononon</a:t>
-            </a:r>
-            <a:r>
-              <a:rPr lang="pt-BR" sz="2400" dirty="0"/>
-              <a:t> </a:t>
-            </a:r>
-            <a:r>
-              <a:rPr lang="pt-BR" sz="2400" dirty="0" err="1"/>
-              <a:t>onononononon</a:t>
-            </a:r>
-            <a:r>
-              <a:rPr lang="pt-BR" sz="2400" dirty="0"/>
-              <a:t> </a:t>
-            </a:r>
-            <a:r>
-              <a:rPr lang="pt-BR" sz="2400" dirty="0" err="1"/>
-              <a:t>ononononono</a:t>
-            </a:r>
-            <a:r>
-              <a:rPr lang="pt-BR" sz="2400" dirty="0"/>
-              <a:t> </a:t>
-            </a:r>
-            <a:r>
-              <a:rPr lang="pt-BR" sz="2400" dirty="0" err="1"/>
-              <a:t>nonononono</a:t>
-            </a:r>
-            <a:r>
-              <a:rPr lang="pt-BR" sz="2400" dirty="0"/>
-              <a:t> </a:t>
-            </a:r>
-            <a:r>
-              <a:rPr lang="pt-BR" sz="2400" dirty="0" err="1"/>
-              <a:t>nonononononon</a:t>
-            </a:r>
-            <a:endParaRPr lang="pt-BR" sz="2400" dirty="0"/>
-          </a:p>
-          <a:p>
-            <a:pPr algn="just" defTabSz="1678349" eaLnBrk="1" hangingPunct="1">
+              <a:t>Somos a MV Bugs, nosso grupo formado para a produção do Projeto Interdisciplinar. Aplicamos o nosso conhecimento na produção do nosso jogo e esperamos que isso transpareça, assim como a história e a missão do projeto a todos. </a:t>
+            </a:r>
+            <a:endParaRPr lang="pt-BR" sz="2400" dirty="0">
+              <a:cs typeface="Arial"/>
+            </a:endParaRPr>
+          </a:p>
+          <a:p>
+            <a:pPr algn="just" defTabSz="1678349">
               <a:spcAft>
                 <a:spcPts val="1200"/>
               </a:spcAft>
             </a:pPr>
-            <a:endParaRPr lang="pt-BR" sz="2666" dirty="0"/>
-          </a:p>
-          <a:p>
-            <a:pPr algn="just" defTabSz="1678349" eaLnBrk="1" hangingPunct="1">
-              <a:spcAft>
-                <a:spcPts val="1200"/>
-              </a:spcAft>
-            </a:pPr>
-            <a:endParaRPr lang="pt-BR" sz="2666" dirty="0"/>
+            <a:r>
+              <a:rPr lang="pt-BR" sz="2400" dirty="0">
+                <a:latin typeface="Arial"/>
+                <a:cs typeface="Arial"/>
+              </a:rPr>
+              <a:t>	 Todos os integrantes trabalharam em conjunto utilizando guias como o método </a:t>
+            </a:r>
+            <a:r>
+              <a:rPr lang="pt-BR" sz="2400" dirty="0" err="1">
+                <a:latin typeface="Arial"/>
+                <a:cs typeface="Arial"/>
+              </a:rPr>
+              <a:t>Kanban</a:t>
+            </a:r>
+            <a:r>
+              <a:rPr lang="pt-BR" sz="2400" dirty="0">
+                <a:latin typeface="Arial"/>
+                <a:cs typeface="Arial"/>
+              </a:rPr>
+              <a:t> e quadros brancos, para que nosso projeto se desenvolvesse com eficácia e destreza, visando atingir a melhor expectativa e condizer com a </a:t>
+            </a:r>
+            <a:r>
+              <a:rPr lang="pt-BR" sz="2400">
+                <a:latin typeface="Arial"/>
+                <a:cs typeface="Arial"/>
+              </a:rPr>
+              <a:t>confiança aplicada.</a:t>
+            </a:r>
+            <a:endParaRPr lang="pt-BR" sz="2400" dirty="0">
+              <a:latin typeface="Arial"/>
+              <a:cs typeface="Arial"/>
+            </a:endParaRPr>
           </a:p>
         </p:txBody>
       </p:sp>
@@ -5090,8 +4938,8 @@
           <a:p>
             <a:pPr eaLnBrk="1" hangingPunct="1"/>
             <a:r>
-              <a:rPr lang="pt-BR" sz="5866" b="1" dirty="0"/>
-              <a:t>Nome do Projeto</a:t>
+              <a:rPr lang="pt-BR" sz="5866" b="1"/>
+              <a:t>Quarto Fobo</a:t>
             </a:r>
           </a:p>
         </p:txBody>
@@ -5126,12 +4974,12 @@
           <a:p>
             <a:pPr algn="ctr" eaLnBrk="1" hangingPunct="1"/>
             <a:r>
-              <a:rPr lang="pt-BR" sz="7999" b="1" dirty="0">
+              <a:rPr lang="pt-BR" sz="7999" b="1">
                 <a:solidFill>
                   <a:schemeClr val="bg1"/>
                 </a:solidFill>
               </a:rPr>
-              <a:t>Semana de Tecnologia FECAP 202X</a:t>
+              <a:t>Semana de Tecnologia FECAP 2025</a:t>
             </a:r>
           </a:p>
         </p:txBody>
@@ -5153,7 +5001,7 @@
         <p:spPr bwMode="auto">
           <a:xfrm>
             <a:off x="14653154" y="4992305"/>
-            <a:ext cx="13284851" cy="4349589"/>
+            <a:ext cx="13284851" cy="5647700"/>
           </a:xfrm>
           <a:prstGeom prst="rect">
             <a:avLst/>
@@ -5183,7 +5031,7 @@
           </a:extLst>
         </p:spPr>
         <p:txBody>
-          <a:bodyPr wrap="square">
+          <a:bodyPr wrap="square" lIns="91440" tIns="45720" rIns="91440" bIns="45720" anchor="t">
             <a:spAutoFit/>
           </a:bodyPr>
           <a:lstStyle/>
@@ -5191,68 +5039,68 @@
             <a:pPr algn="just" defTabSz="1678349" eaLnBrk="1" hangingPunct="1"/>
             <a:r>
               <a:rPr lang="pt-BR" sz="3600" b="1" dirty="0">
-                <a:ea typeface="ＭＳ Ｐゴシック" pitchFamily="34" charset="-128"/>
+                <a:latin typeface="Arial"/>
+                <a:ea typeface="ＭＳ Ｐゴシック"/>
+                <a:cs typeface="Arial"/>
               </a:rPr>
               <a:t>Problema a ser tratado</a:t>
             </a:r>
           </a:p>
           <a:p>
-            <a:pPr algn="just" defTabSz="1678349" eaLnBrk="1" hangingPunct="1">
+            <a:pPr algn="just" defTabSz="1678349" eaLnBrk="1" hangingPunct="1"/>
+            <a:r>
+              <a:rPr lang="pt-BR" sz="2400" dirty="0">
+                <a:latin typeface="Arial"/>
+                <a:cs typeface="Arial"/>
+              </a:rPr>
+              <a:t>	 O jogo “Quarto Fobo” aborda o tema saúde mental e as consequências de sua ausência, destacando como ela é fundamental para o bem-estar humano e como influencia diretamente nossa realidade e percepção.</a:t>
+            </a:r>
+            <a:endParaRPr lang="pt-BR" sz="2400" dirty="0">
+              <a:cs typeface="Arial"/>
+            </a:endParaRPr>
+          </a:p>
+          <a:p>
+            <a:pPr algn="just" defTabSz="1678349"/>
+            <a:r>
+              <a:rPr lang="pt-BR" sz="2400" dirty="0">
+                <a:latin typeface="Arial"/>
+                <a:cs typeface="Arial"/>
+              </a:rPr>
+              <a:t>	 Nos últimos anos (especialmente após a pandemia de COVID-19 e o período de confinamento social), a taxa de jovens com problemas como ansiedade e depressão aumentou de forma alarmante. Muitos desses casos estão relacionados à pressão social, ao uso excessivo de redes sociais e à cobrança acadêmica.</a:t>
+            </a:r>
+            <a:endParaRPr lang="pt-BR" sz="2400" dirty="0">
+              <a:cs typeface="Arial"/>
+            </a:endParaRPr>
+          </a:p>
+          <a:p>
+            <a:pPr algn="just" defTabSz="1678349"/>
+            <a:r>
+              <a:rPr lang="pt-BR" sz="2400" dirty="0">
+                <a:latin typeface="Arial"/>
+                <a:cs typeface="Arial"/>
+              </a:rPr>
+              <a:t>	 Essas condições afetam profundamente o bem-estar físico e emocional, interferindo nas tarefas do dia a dia, nas relações sociais e na forma como percebemos o mundo ao nosso redor.</a:t>
+            </a:r>
+          </a:p>
+          <a:p>
+            <a:pPr algn="just" defTabSz="1678349"/>
+            <a:r>
+              <a:rPr lang="pt-BR" sz="2400" dirty="0">
+                <a:latin typeface="Arial"/>
+                <a:cs typeface="Arial"/>
+              </a:rPr>
+              <a:t>	 Cuidar da saúde mental é essencial, sobretudo para os jovens, que enfrentam cada vez mais desafios emocionais e sociais.</a:t>
+            </a:r>
+          </a:p>
+          <a:p>
+            <a:pPr algn="just" defTabSz="1678349">
               <a:spcAft>
                 <a:spcPts val="1200"/>
               </a:spcAft>
             </a:pPr>
-            <a:r>
-              <a:rPr lang="pt-BR" sz="3733" dirty="0"/>
-              <a:t> </a:t>
-            </a:r>
-            <a:r>
-              <a:rPr lang="pt-BR" sz="2666" dirty="0"/>
-              <a:t>	</a:t>
-            </a:r>
-            <a:r>
-              <a:rPr lang="pt-BR" sz="2400" dirty="0"/>
-              <a:t>  O jogo “Quarto Fobo” abrange uma dinâmica de escape </a:t>
-            </a:r>
-            <a:r>
-              <a:rPr lang="pt-BR" sz="2400" dirty="0" err="1"/>
-              <a:t>room</a:t>
-            </a:r>
-            <a:r>
-              <a:rPr lang="pt-BR" sz="2400" dirty="0"/>
-              <a:t>, baseada na resolução de puzzles para a conclusão da trama central. O jogo não possui um público-alvo específico, sendo acessível e prático para todas as pessoas.</a:t>
-            </a:r>
-          </a:p>
-          <a:p>
-            <a:pPr algn="just" defTabSz="1678349" eaLnBrk="1" hangingPunct="1">
-              <a:spcAft>
-                <a:spcPts val="1200"/>
-              </a:spcAft>
-            </a:pPr>
-            <a:r>
-              <a:rPr lang="pt-BR" sz="2400" dirty="0"/>
-              <a:t> 	  Além disso, aborda o tema “saúde mental” e as consequências da ausência dela, destacando o quão fundamental é para o bem-estar humano e como afeta a nossa realidade e percepção.</a:t>
-            </a:r>
-            <a:endParaRPr lang="pt-BR" sz="2666" dirty="0"/>
-          </a:p>
-          <a:p>
-            <a:pPr algn="just" defTabSz="1678349" eaLnBrk="1" hangingPunct="1">
-              <a:spcAft>
-                <a:spcPts val="1200"/>
-              </a:spcAft>
-            </a:pPr>
-            <a:endParaRPr lang="pt-BR" sz="2666" dirty="0"/>
-          </a:p>
-          <a:p>
-            <a:pPr algn="just" defTabSz="1678349" eaLnBrk="1" hangingPunct="1">
-              <a:spcAft>
-                <a:spcPts val="1200"/>
-              </a:spcAft>
-            </a:pPr>
-            <a:r>
-              <a:rPr lang="pt-BR" sz="2666" dirty="0"/>
-              <a:t>	</a:t>
-            </a:r>
+            <a:endParaRPr lang="pt-BR" sz="3700" dirty="0">
+              <a:cs typeface="Arial"/>
+            </a:endParaRPr>
           </a:p>
         </p:txBody>
       </p:sp>
@@ -5273,7 +5121,7 @@
         <p:spPr bwMode="auto">
           <a:xfrm>
             <a:off x="630353" y="33543418"/>
-            <a:ext cx="13318910" cy="3744551"/>
+            <a:ext cx="13318910" cy="4678012"/>
           </a:xfrm>
           <a:prstGeom prst="rect">
             <a:avLst/>
@@ -5332,7 +5180,7 @@
             </a:r>
             <a:r>
               <a:rPr lang="pt-BR" sz="2400" dirty="0"/>
-              <a:t> Desenvolvemos o Quarto Fobo, jogo de terror psicológico, pensando principalmente em como as pessoas podem ser afetadas pelas doenças mentais. Com isso, nossa solução oferece:</a:t>
+              <a:t> Desenvolvemos o Quarto Fobo, jogo de terror psicológico, pensando principalmente em como as pessoas podem ser afetadas pelas doenças mentais, trazendo uma narrativa imersiva e envolvente. Com isso, nossa solução oferece:</a:t>
             </a:r>
           </a:p>
           <a:p>
@@ -5368,7 +5216,21 @@
               <a:rPr lang="pt-BR" sz="2400" dirty="0"/>
               <a:t>, buscando alertar as pessoas sobre os perigos de uma má saúde psicológica.</a:t>
             </a:r>
-            <a:endParaRPr lang="pt-BR" sz="2666" dirty="0"/>
+          </a:p>
+          <a:p>
+            <a:pPr algn="just" defTabSz="1678349" eaLnBrk="1" hangingPunct="1">
+              <a:spcAft>
+                <a:spcPts val="1200"/>
+              </a:spcAft>
+            </a:pPr>
+            <a:r>
+              <a:rPr lang="pt-BR" sz="2666" dirty="0"/>
+              <a:t>	 </a:t>
+            </a:r>
+            <a:r>
+              <a:rPr lang="pt-BR" sz="2400" dirty="0"/>
+              <a:t>Dessa forma, Quarto Fobo transforma o terror em uma forma de apresentar como a psique humana pode distorcer e moldar a realidade em seu entorno.</a:t>
+            </a:r>
           </a:p>
         </p:txBody>
       </p:sp>
@@ -5541,10 +5403,26 @@
           <a:p>
             <a:pPr eaLnBrk="1" hangingPunct="1"/>
             <a:r>
-              <a:rPr lang="pt-BR" sz="2666" b="1" kern="0" dirty="0"/>
-              <a:t>Professores: &lt;1 Nome e 1 sobrenome de todos os professores do semestre&gt;</a:t>
-            </a:r>
-            <a:endParaRPr lang="pt-BR" sz="5866" b="1" kern="0" dirty="0"/>
+              <a:rPr lang="pt-BR" sz="2666" b="1" kern="0"/>
+              <a:t>Professores: Victor Bruno Alexander Rosetti de </a:t>
+            </a:r>
+            <a:r>
+              <a:rPr lang="pt-BR" sz="2666" b="1" kern="0" err="1"/>
+              <a:t>Quiroz</a:t>
+            </a:r>
+            <a:r>
+              <a:rPr lang="pt-BR" sz="2666" b="1" kern="0"/>
+              <a:t>, Joyce Daniele Tavares, </a:t>
+            </a:r>
+            <a:r>
+              <a:rPr lang="pt-BR" sz="2666" b="1" kern="0" err="1"/>
+              <a:t>Luis</a:t>
+            </a:r>
+            <a:r>
+              <a:rPr lang="pt-BR" sz="2666" b="1" kern="0"/>
+              <a:t> Fernando dos Santos Pires, Renata Muniz Do Nascimento, Adriano Felix Valente</a:t>
+            </a:r>
+            <a:endParaRPr lang="pt-BR" sz="5866" b="1" kern="0"/>
           </a:p>
         </p:txBody>
       </p:sp>
@@ -5565,7 +5443,7 @@
         <p:spPr bwMode="auto">
           <a:xfrm>
             <a:off x="14646784" y="33543418"/>
-            <a:ext cx="13318910" cy="6052875"/>
+            <a:ext cx="13318910" cy="7437485"/>
           </a:xfrm>
           <a:prstGeom prst="rect">
             <a:avLst/>
@@ -5634,12 +5512,8 @@
               </a:spcAft>
             </a:pPr>
             <a:r>
-              <a:rPr lang="pt-BR" sz="2400"/>
-              <a:t> 	  Entre </a:t>
-            </a:r>
-            <a:r>
               <a:rPr lang="pt-BR" sz="2400" dirty="0"/>
-              <a:t>os próximos passos, estão:</a:t>
+              <a:t> 	  Entre os próximos passos, estão:</a:t>
             </a:r>
           </a:p>
           <a:p>
@@ -5651,8 +5525,12 @@
               <a:buChar char="•"/>
             </a:pPr>
             <a:r>
+              <a:rPr lang="pt-BR" sz="2400" b="1" dirty="0"/>
+              <a:t>Aprimoramento do projeto: </a:t>
+            </a:r>
+            <a:r>
               <a:rPr lang="pt-BR" sz="2400" dirty="0"/>
-              <a:t>Aprimoramento do projeto: finalizar as mecânicas do jogo, corrigir os erros que podem ocorrer e otimizar o desempenho.</a:t>
+              <a:t>finalizar as mecânicas do jogo, corrigir os erros que podem ocorrer e otimizar o desempenho.</a:t>
             </a:r>
           </a:p>
           <a:p>
@@ -5664,8 +5542,12 @@
               <a:buChar char="•"/>
             </a:pPr>
             <a:r>
+              <a:rPr lang="pt-BR" sz="2400" b="1" dirty="0"/>
+              <a:t>Criação de site do nosso jogo: </a:t>
+            </a:r>
+            <a:r>
               <a:rPr lang="pt-BR" sz="2400" dirty="0"/>
-              <a:t>Criação de site do nosso jogo: um site oficial para novidades, atualizações e aquisição do jogo.</a:t>
+              <a:t>um site oficial para novidades, atualizações e aquisição do jogo.</a:t>
             </a:r>
           </a:p>
           <a:p>
@@ -5677,8 +5559,12 @@
               <a:buChar char="•"/>
             </a:pPr>
             <a:r>
+              <a:rPr lang="pt-BR" sz="2400" b="1" dirty="0"/>
+              <a:t>Parcerias e Investidores: </a:t>
+            </a:r>
+            <a:r>
               <a:rPr lang="pt-BR" sz="2400" dirty="0"/>
-              <a:t>Parcerias e Investidores: busca por investidores ou parceiros para a expansão do nosso projeto.</a:t>
+              <a:t>busca por investidores ou parceiros para a expansão do nosso projeto.</a:t>
             </a:r>
           </a:p>
           <a:p>
@@ -5690,10 +5576,30 @@
               <a:buChar char="•"/>
             </a:pPr>
             <a:r>
+              <a:rPr lang="pt-BR" sz="2400" b="1" dirty="0"/>
+              <a:t>Feedback: </a:t>
+            </a:r>
+            <a:r>
               <a:rPr lang="pt-BR" sz="2400" dirty="0"/>
-              <a:t>Feedback: coletar opiniões das pessoas que jogaram para entender o que pode ser melhorado para ajustar o produto final.</a:t>
-            </a:r>
-            <a:endParaRPr lang="pt-BR" sz="2666" dirty="0"/>
+              <a:t>coletar opiniões das pessoas que jogaram para entender o que pode ser melhorado para ajustar o produto final.</a:t>
+            </a:r>
+          </a:p>
+          <a:p>
+            <a:pPr marL="342900" indent="-342900" algn="just" defTabSz="1678349" eaLnBrk="1" hangingPunct="1">
+              <a:spcAft>
+                <a:spcPts val="1200"/>
+              </a:spcAft>
+              <a:buFont typeface="Arial" panose="020B0604020202020204" pitchFamily="34" charset="0"/>
+              <a:buChar char="•"/>
+            </a:pPr>
+            <a:r>
+              <a:rPr lang="pt-BR" sz="2400" b="1" dirty="0"/>
+              <a:t>Aplicação educacional: </a:t>
+            </a:r>
+            <a:r>
+              <a:rPr lang="pt-BR" sz="2400" dirty="0"/>
+              <a:t>futuramente, o projeto poderia ser utilizado em espaços acadêmicos como escolas, agindo como uma ferramenta de apoio à discussão sobre saúde mental, ajudando com a importância do auto cuidado mental.</a:t>
+            </a:r>
           </a:p>
         </p:txBody>
       </p:sp>
@@ -5713,7 +5619,7 @@
         </p:nvSpPr>
         <p:spPr bwMode="auto">
           <a:xfrm>
-            <a:off x="7959431" y="10343748"/>
+            <a:off x="7959431" y="10829875"/>
             <a:ext cx="12868819" cy="1569469"/>
           </a:xfrm>
           <a:prstGeom prst="rect">
@@ -5751,7 +5657,7 @@
           <a:p>
             <a:pPr algn="ctr" defTabSz="1678349" eaLnBrk="1" hangingPunct="1"/>
             <a:r>
-              <a:rPr lang="pt-BR" sz="5866" b="1" dirty="0">
+              <a:rPr lang="pt-BR" sz="5866" b="1">
                 <a:ea typeface="ＭＳ Ｐゴシック" pitchFamily="34" charset="-128"/>
               </a:rPr>
               <a:t>Imagens e ferramentas do Projeto</a:t>
@@ -5764,11 +5670,11 @@
               </a:spcAft>
             </a:pPr>
             <a:r>
-              <a:rPr lang="pt-BR" sz="3733" dirty="0"/>
+              <a:rPr lang="pt-BR" sz="3733"/>
               <a:t> </a:t>
             </a:r>
             <a:r>
-              <a:rPr lang="pt-BR" sz="2666" dirty="0"/>
+              <a:rPr lang="pt-BR" sz="2666"/>
               <a:t>	</a:t>
             </a:r>
           </a:p>
@@ -5848,10 +5754,104 @@
       </p:pic>
       <p:pic>
         <p:nvPicPr>
-          <p:cNvPr id="11" name="Imagem 10" descr="Logotipo&#10;&#10;O conteúdo gerado por IA pode estar incorreto.">
+          <p:cNvPr id="1026" name="Picture 2" descr="Unity Logo PNG Transparent &amp; SVG Vector - Freebie Supply">
             <a:extLst>
               <a:ext uri="{FF2B5EF4-FFF2-40B4-BE49-F238E27FC236}">
-                <a16:creationId xmlns:a16="http://schemas.microsoft.com/office/drawing/2014/main" id="{C36539B3-03B4-9E15-C22B-94F5A2E54A48}"/>
+                <a16:creationId xmlns:a16="http://schemas.microsoft.com/office/drawing/2014/main" id="{B7A12000-B85C-A442-EADB-D2A4D111A873}"/>
+              </a:ext>
+            </a:extLst>
+          </p:cNvPr>
+          <p:cNvPicPr>
+            <a:picLocks noChangeAspect="1" noChangeArrowheads="1"/>
+          </p:cNvPicPr>
+          <p:nvPr/>
+        </p:nvPicPr>
+        <p:blipFill>
+          <a:blip r:embed="rId6">
+            <a:extLst>
+              <a:ext uri="{28A0092B-C50C-407E-A947-70E740481C1C}">
+                <a14:useLocalDpi xmlns:a14="http://schemas.microsoft.com/office/drawing/2010/main" val="0"/>
+              </a:ext>
+            </a:extLst>
+          </a:blip>
+          <a:srcRect/>
+          <a:stretch>
+            <a:fillRect/>
+          </a:stretch>
+        </p:blipFill>
+        <p:spPr bwMode="auto">
+          <a:xfrm>
+            <a:off x="7261502" y="11534128"/>
+            <a:ext cx="1127846" cy="1158862"/>
+          </a:xfrm>
+          <a:prstGeom prst="rect">
+            <a:avLst/>
+          </a:prstGeom>
+          <a:noFill/>
+          <a:extLst>
+            <a:ext uri="{909E8E84-426E-40DD-AFC4-6F175D3DCCD1}">
+              <a14:hiddenFill xmlns:a14="http://schemas.microsoft.com/office/drawing/2010/main">
+                <a:solidFill>
+                  <a:srgbClr val="FFFFFF"/>
+                </a:solidFill>
+              </a14:hiddenFill>
+            </a:ext>
+          </a:extLst>
+        </p:spPr>
+      </p:pic>
+      <p:pic>
+        <p:nvPicPr>
+          <p:cNvPr id="1028" name="Picture 4">
+            <a:extLst>
+              <a:ext uri="{FF2B5EF4-FFF2-40B4-BE49-F238E27FC236}">
+                <a16:creationId xmlns:a16="http://schemas.microsoft.com/office/drawing/2014/main" id="{4D6155B9-B8AE-476C-69CC-65AC7C616265}"/>
+              </a:ext>
+            </a:extLst>
+          </p:cNvPr>
+          <p:cNvPicPr>
+            <a:picLocks noChangeAspect="1" noChangeArrowheads="1"/>
+          </p:cNvPicPr>
+          <p:nvPr/>
+        </p:nvPicPr>
+        <p:blipFill>
+          <a:blip r:embed="rId7">
+            <a:extLst>
+              <a:ext uri="{28A0092B-C50C-407E-A947-70E740481C1C}">
+                <a14:useLocalDpi xmlns:a14="http://schemas.microsoft.com/office/drawing/2010/main" val="0"/>
+              </a:ext>
+            </a:extLst>
+          </a:blip>
+          <a:srcRect/>
+          <a:stretch>
+            <a:fillRect/>
+          </a:stretch>
+        </p:blipFill>
+        <p:spPr bwMode="auto">
+          <a:xfrm rot="1454520">
+            <a:off x="19953148" y="11111336"/>
+            <a:ext cx="1884209" cy="1884209"/>
+          </a:xfrm>
+          <a:prstGeom prst="rect">
+            <a:avLst/>
+          </a:prstGeom>
+          <a:noFill/>
+          <a:extLst>
+            <a:ext uri="{909E8E84-426E-40DD-AFC4-6F175D3DCCD1}">
+              <a14:hiddenFill xmlns:a14="http://schemas.microsoft.com/office/drawing/2010/main">
+                <a:solidFill>
+                  <a:srgbClr val="FFFFFF"/>
+                </a:solidFill>
+              </a14:hiddenFill>
+            </a:ext>
+          </a:extLst>
+        </p:spPr>
+      </p:pic>
+      <p:pic>
+        <p:nvPicPr>
+          <p:cNvPr id="11" name="Imagem 10" descr="Tela de jogo de vídeo game&#10;&#10;O conteúdo gerado por IA pode estar incorreto.">
+            <a:extLst>
+              <a:ext uri="{FF2B5EF4-FFF2-40B4-BE49-F238E27FC236}">
+                <a16:creationId xmlns:a16="http://schemas.microsoft.com/office/drawing/2014/main" id="{42B47355-BDDE-E62B-B1D6-B4EB5ABEDA27}"/>
               </a:ext>
             </a:extLst>
           </p:cNvPr>
@@ -5861,7 +5861,7 @@
           <p:nvPr/>
         </p:nvPicPr>
         <p:blipFill>
-          <a:blip r:embed="rId6">
+          <a:blip r:embed="rId8">
             <a:extLst>
               <a:ext uri="{28A0092B-C50C-407E-A947-70E740481C1C}">
                 <a14:useLocalDpi xmlns:a14="http://schemas.microsoft.com/office/drawing/2010/main" val="0"/>
@@ -5874,8 +5874,8 @@
         </p:blipFill>
         <p:spPr>
           <a:xfrm>
-            <a:off x="23105013" y="14849820"/>
-            <a:ext cx="2651482" cy="1369821"/>
+            <a:off x="371762" y="12984958"/>
+            <a:ext cx="16372221" cy="9240966"/>
           </a:xfrm>
           <a:prstGeom prst="rect">
             <a:avLst/>
@@ -5884,10 +5884,10 @@
       </p:pic>
       <p:pic>
         <p:nvPicPr>
-          <p:cNvPr id="12" name="Imagem 11" descr="Logotipo, Ícone&#10;&#10;O conteúdo gerado por IA pode estar incorreto.">
+          <p:cNvPr id="13" name="Imagem 12" descr="Tela de computador com imagem de jogo de vídeo game&#10;&#10;O conteúdo gerado por IA pode estar incorreto.">
             <a:extLst>
               <a:ext uri="{FF2B5EF4-FFF2-40B4-BE49-F238E27FC236}">
-                <a16:creationId xmlns:a16="http://schemas.microsoft.com/office/drawing/2014/main" id="{F265727C-35EA-9DFA-0973-7707DC71EAEC}"/>
+                <a16:creationId xmlns:a16="http://schemas.microsoft.com/office/drawing/2014/main" id="{8F6C0147-D301-9B4B-8FEC-636E78A91CBF}"/>
               </a:ext>
             </a:extLst>
           </p:cNvPr>
@@ -5897,7 +5897,7 @@
           <p:nvPr/>
         </p:nvPicPr>
         <p:blipFill>
-          <a:blip r:embed="rId7" cstate="print">
+          <a:blip r:embed="rId9">
             <a:extLst>
               <a:ext uri="{28A0092B-C50C-407E-A947-70E740481C1C}">
                 <a14:useLocalDpi xmlns:a14="http://schemas.microsoft.com/office/drawing/2010/main" val="0"/>
@@ -5910,8 +5910,8 @@
         </p:blipFill>
         <p:spPr>
           <a:xfrm>
-            <a:off x="13344212" y="12132055"/>
-            <a:ext cx="2390002" cy="2390002"/>
+            <a:off x="184731" y="22884768"/>
+            <a:ext cx="16559252" cy="9245214"/>
           </a:xfrm>
           <a:prstGeom prst="rect">
             <a:avLst/>
@@ -5920,10 +5920,10 @@
       </p:pic>
       <p:pic>
         <p:nvPicPr>
-          <p:cNvPr id="13" name="Imagem 12" descr="Ícone&#10;&#10;O conteúdo gerado por IA pode estar incorreto.">
+          <p:cNvPr id="15" name="Imagem 14">
             <a:extLst>
               <a:ext uri="{FF2B5EF4-FFF2-40B4-BE49-F238E27FC236}">
-                <a16:creationId xmlns:a16="http://schemas.microsoft.com/office/drawing/2014/main" id="{004D8512-6DEA-0B0B-63E3-A7017472BDB0}"/>
+                <a16:creationId xmlns:a16="http://schemas.microsoft.com/office/drawing/2014/main" id="{69C1FD86-4A11-569B-CB17-6B2622A34AD0}"/>
               </a:ext>
             </a:extLst>
           </p:cNvPr>
@@ -5933,7 +5933,7 @@
           <p:nvPr/>
         </p:nvPicPr>
         <p:blipFill>
-          <a:blip r:embed="rId8" cstate="print">
+          <a:blip r:embed="rId10">
             <a:extLst>
               <a:ext uri="{28A0092B-C50C-407E-A947-70E740481C1C}">
                 <a14:useLocalDpi xmlns:a14="http://schemas.microsoft.com/office/drawing/2010/main" val="0"/>
@@ -5946,470 +5946,8 @@
         </p:blipFill>
         <p:spPr>
           <a:xfrm>
-            <a:off x="16880907" y="12129459"/>
-            <a:ext cx="1678276" cy="2369168"/>
-          </a:xfrm>
-          <a:prstGeom prst="rect">
-            <a:avLst/>
-          </a:prstGeom>
-        </p:spPr>
-      </p:pic>
-      <p:pic>
-        <p:nvPicPr>
-          <p:cNvPr id="14" name="Imagem 13" descr="Ícone&#10;&#10;O conteúdo gerado por IA pode estar incorreto.">
-            <a:extLst>
-              <a:ext uri="{FF2B5EF4-FFF2-40B4-BE49-F238E27FC236}">
-                <a16:creationId xmlns:a16="http://schemas.microsoft.com/office/drawing/2014/main" id="{BE7B6F3C-F476-EDA2-311E-8DA8C3BBBA16}"/>
-              </a:ext>
-            </a:extLst>
-          </p:cNvPr>
-          <p:cNvPicPr>
-            <a:picLocks noChangeAspect="1"/>
-          </p:cNvPicPr>
-          <p:nvPr/>
-        </p:nvPicPr>
-        <p:blipFill>
-          <a:blip r:embed="rId9" cstate="print">
-            <a:extLst>
-              <a:ext uri="{28A0092B-C50C-407E-A947-70E740481C1C}">
-                <a14:useLocalDpi xmlns:a14="http://schemas.microsoft.com/office/drawing/2010/main" val="0"/>
-              </a:ext>
-            </a:extLst>
-          </a:blip>
-          <a:stretch>
-            <a:fillRect/>
-          </a:stretch>
-        </p:blipFill>
-        <p:spPr>
-          <a:xfrm>
-            <a:off x="16771665" y="15013861"/>
-            <a:ext cx="1969985" cy="1969985"/>
-          </a:xfrm>
-          <a:prstGeom prst="rect">
-            <a:avLst/>
-          </a:prstGeom>
-        </p:spPr>
-      </p:pic>
-      <p:pic>
-        <p:nvPicPr>
-          <p:cNvPr id="15" name="Imagem 14" descr="Uma imagem contendo Ícone&#10;&#10;O conteúdo gerado por IA pode estar incorreto.">
-            <a:extLst>
-              <a:ext uri="{FF2B5EF4-FFF2-40B4-BE49-F238E27FC236}">
-                <a16:creationId xmlns:a16="http://schemas.microsoft.com/office/drawing/2014/main" id="{31366770-2457-D40F-603F-BB4428389EC6}"/>
-              </a:ext>
-            </a:extLst>
-          </p:cNvPr>
-          <p:cNvPicPr>
-            <a:picLocks noChangeAspect="1"/>
-          </p:cNvPicPr>
-          <p:nvPr/>
-        </p:nvPicPr>
-        <p:blipFill>
-          <a:blip r:embed="rId10" cstate="print">
-            <a:extLst>
-              <a:ext uri="{28A0092B-C50C-407E-A947-70E740481C1C}">
-                <a14:useLocalDpi xmlns:a14="http://schemas.microsoft.com/office/drawing/2010/main" val="0"/>
-              </a:ext>
-            </a:extLst>
-          </a:blip>
-          <a:stretch>
-            <a:fillRect/>
-          </a:stretch>
-        </p:blipFill>
-        <p:spPr>
-          <a:xfrm>
-            <a:off x="20064218" y="12612493"/>
-            <a:ext cx="2252785" cy="1689588"/>
-          </a:xfrm>
-          <a:prstGeom prst="rect">
-            <a:avLst/>
-          </a:prstGeom>
-        </p:spPr>
-      </p:pic>
-      <p:pic>
-        <p:nvPicPr>
-          <p:cNvPr id="17" name="Imagem 16" descr="Logotipo&#10;&#10;O conteúdo gerado por IA pode estar incorreto.">
-            <a:extLst>
-              <a:ext uri="{FF2B5EF4-FFF2-40B4-BE49-F238E27FC236}">
-                <a16:creationId xmlns:a16="http://schemas.microsoft.com/office/drawing/2014/main" id="{BF4471B5-57EB-4844-928D-DCF9ED7AF6F5}"/>
-              </a:ext>
-            </a:extLst>
-          </p:cNvPr>
-          <p:cNvPicPr>
-            <a:picLocks noChangeAspect="1"/>
-          </p:cNvPicPr>
-          <p:nvPr/>
-        </p:nvPicPr>
-        <p:blipFill>
-          <a:blip r:embed="rId11" cstate="print">
-            <a:extLst>
-              <a:ext uri="{28A0092B-C50C-407E-A947-70E740481C1C}">
-                <a14:useLocalDpi xmlns:a14="http://schemas.microsoft.com/office/drawing/2010/main" val="0"/>
-              </a:ext>
-            </a:extLst>
-          </a:blip>
-          <a:stretch>
-            <a:fillRect/>
-          </a:stretch>
-        </p:blipFill>
-        <p:spPr>
-          <a:xfrm>
-            <a:off x="13861617" y="15214435"/>
-            <a:ext cx="1567253" cy="1567253"/>
-          </a:xfrm>
-          <a:prstGeom prst="rect">
-            <a:avLst/>
-          </a:prstGeom>
-        </p:spPr>
-      </p:pic>
-      <p:pic>
-        <p:nvPicPr>
-          <p:cNvPr id="18" name="Imagem 17" descr="Ícone&#10;&#10;O conteúdo gerado por IA pode estar incorreto.">
-            <a:extLst>
-              <a:ext uri="{FF2B5EF4-FFF2-40B4-BE49-F238E27FC236}">
-                <a16:creationId xmlns:a16="http://schemas.microsoft.com/office/drawing/2014/main" id="{6D783549-32E2-3701-9536-85EC637BA269}"/>
-              </a:ext>
-            </a:extLst>
-          </p:cNvPr>
-          <p:cNvPicPr>
-            <a:picLocks noChangeAspect="1"/>
-          </p:cNvPicPr>
-          <p:nvPr/>
-        </p:nvPicPr>
-        <p:blipFill>
-          <a:blip r:embed="rId12" cstate="print">
-            <a:extLst>
-              <a:ext uri="{28A0092B-C50C-407E-A947-70E740481C1C}">
-                <a14:useLocalDpi xmlns:a14="http://schemas.microsoft.com/office/drawing/2010/main" val="0"/>
-              </a:ext>
-            </a:extLst>
-          </a:blip>
-          <a:stretch>
-            <a:fillRect/>
-          </a:stretch>
-        </p:blipFill>
-        <p:spPr>
-          <a:xfrm>
-            <a:off x="20329692" y="14982549"/>
-            <a:ext cx="2090947" cy="2090947"/>
-          </a:xfrm>
-          <a:prstGeom prst="rect">
-            <a:avLst/>
-          </a:prstGeom>
-        </p:spPr>
-      </p:pic>
-      <p:pic>
-        <p:nvPicPr>
-          <p:cNvPr id="19" name="Imagem 18" descr="Ícone&#10;&#10;O conteúdo gerado por IA pode estar incorreto.">
-            <a:extLst>
-              <a:ext uri="{FF2B5EF4-FFF2-40B4-BE49-F238E27FC236}">
-                <a16:creationId xmlns:a16="http://schemas.microsoft.com/office/drawing/2014/main" id="{1652BFF4-CD39-4D8B-CDB6-2EEBEA3ABE34}"/>
-              </a:ext>
-            </a:extLst>
-          </p:cNvPr>
-          <p:cNvPicPr>
-            <a:picLocks noChangeAspect="1"/>
-          </p:cNvPicPr>
-          <p:nvPr/>
-        </p:nvPicPr>
-        <p:blipFill>
-          <a:blip r:embed="rId13" cstate="print">
-            <a:extLst>
-              <a:ext uri="{28A0092B-C50C-407E-A947-70E740481C1C}">
-                <a14:useLocalDpi xmlns:a14="http://schemas.microsoft.com/office/drawing/2010/main" val="0"/>
-              </a:ext>
-            </a:extLst>
-          </a:blip>
-          <a:stretch>
-            <a:fillRect/>
-          </a:stretch>
-        </p:blipFill>
-        <p:spPr>
-          <a:xfrm>
-            <a:off x="23136857" y="12573596"/>
-            <a:ext cx="1957103" cy="1957103"/>
-          </a:xfrm>
-          <a:prstGeom prst="rect">
-            <a:avLst/>
-          </a:prstGeom>
-        </p:spPr>
-      </p:pic>
-      <p:pic>
-        <p:nvPicPr>
-          <p:cNvPr id="21" name="Gráfico 20">
-            <a:extLst>
-              <a:ext uri="{FF2B5EF4-FFF2-40B4-BE49-F238E27FC236}">
-                <a16:creationId xmlns:a16="http://schemas.microsoft.com/office/drawing/2014/main" id="{F1356FB8-9ED6-A85E-476B-90F186519F55}"/>
-              </a:ext>
-            </a:extLst>
-          </p:cNvPr>
-          <p:cNvPicPr>
-            <a:picLocks noChangeAspect="1"/>
-          </p:cNvPicPr>
-          <p:nvPr/>
-        </p:nvPicPr>
-        <p:blipFill>
-          <a:blip r:embed="rId14">
-            <a:extLst>
-              <a:ext uri="{96DAC541-7B7A-43D3-8B79-37D633B846F1}">
-                <asvg:svgBlip xmlns:asvg="http://schemas.microsoft.com/office/drawing/2016/SVG/main" r:embed="rId15"/>
-              </a:ext>
-            </a:extLst>
-          </a:blip>
-          <a:stretch>
-            <a:fillRect/>
-          </a:stretch>
-        </p:blipFill>
-        <p:spPr>
-          <a:xfrm>
-            <a:off x="10848209" y="17121106"/>
-            <a:ext cx="18636799" cy="7901193"/>
-          </a:xfrm>
-          <a:prstGeom prst="rect">
-            <a:avLst/>
-          </a:prstGeom>
-        </p:spPr>
-      </p:pic>
-      <p:pic>
-        <p:nvPicPr>
-          <p:cNvPr id="49" name="Imagem 48" descr="Tela de celular com fundo preto&#10;&#10;O conteúdo gerado por IA pode estar incorreto.">
-            <a:extLst>
-              <a:ext uri="{FF2B5EF4-FFF2-40B4-BE49-F238E27FC236}">
-                <a16:creationId xmlns:a16="http://schemas.microsoft.com/office/drawing/2014/main" id="{8E417FFA-3A80-0922-B813-237FD58D7D31}"/>
-              </a:ext>
-            </a:extLst>
-          </p:cNvPr>
-          <p:cNvPicPr>
-            <a:picLocks noChangeAspect="1"/>
-          </p:cNvPicPr>
-          <p:nvPr/>
-        </p:nvPicPr>
-        <p:blipFill>
-          <a:blip r:embed="rId16">
-            <a:extLst>
-              <a:ext uri="{28A0092B-C50C-407E-A947-70E740481C1C}">
-                <a14:useLocalDpi xmlns:a14="http://schemas.microsoft.com/office/drawing/2010/main" val="0"/>
-              </a:ext>
-            </a:extLst>
-          </a:blip>
-          <a:stretch>
-            <a:fillRect/>
-          </a:stretch>
-        </p:blipFill>
-        <p:spPr>
-          <a:xfrm>
-            <a:off x="6450782" y="11726349"/>
-            <a:ext cx="4301427" cy="7047018"/>
-          </a:xfrm>
-          <a:prstGeom prst="rect">
-            <a:avLst/>
-          </a:prstGeom>
-        </p:spPr>
-      </p:pic>
-      <p:pic>
-        <p:nvPicPr>
-          <p:cNvPr id="51" name="Imagem 50" descr="Tela de um aparelho celular&#10;&#10;O conteúdo gerado por IA pode estar incorreto.">
-            <a:extLst>
-              <a:ext uri="{FF2B5EF4-FFF2-40B4-BE49-F238E27FC236}">
-                <a16:creationId xmlns:a16="http://schemas.microsoft.com/office/drawing/2014/main" id="{B738E67A-B274-5DF8-B9F3-9D3786D351B5}"/>
-              </a:ext>
-            </a:extLst>
-          </p:cNvPr>
-          <p:cNvPicPr>
-            <a:picLocks noChangeAspect="1"/>
-          </p:cNvPicPr>
-          <p:nvPr/>
-        </p:nvPicPr>
-        <p:blipFill>
-          <a:blip r:embed="rId17">
-            <a:extLst>
-              <a:ext uri="{28A0092B-C50C-407E-A947-70E740481C1C}">
-                <a14:useLocalDpi xmlns:a14="http://schemas.microsoft.com/office/drawing/2010/main" val="0"/>
-              </a:ext>
-            </a:extLst>
-          </a:blip>
-          <a:stretch>
-            <a:fillRect/>
-          </a:stretch>
-        </p:blipFill>
-        <p:spPr>
-          <a:xfrm>
-            <a:off x="2277788" y="11834448"/>
-            <a:ext cx="3697396" cy="6699243"/>
-          </a:xfrm>
-          <a:prstGeom prst="rect">
-            <a:avLst/>
-          </a:prstGeom>
-        </p:spPr>
-      </p:pic>
-      <p:pic>
-        <p:nvPicPr>
-          <p:cNvPr id="53" name="Imagem 52" descr="Interface gráfica do usuário, Texto, Aplicativo&#10;&#10;O conteúdo gerado por IA pode estar incorreto.">
-            <a:extLst>
-              <a:ext uri="{FF2B5EF4-FFF2-40B4-BE49-F238E27FC236}">
-                <a16:creationId xmlns:a16="http://schemas.microsoft.com/office/drawing/2014/main" id="{8E652B56-3614-D555-14EB-CF7818249A83}"/>
-              </a:ext>
-            </a:extLst>
-          </p:cNvPr>
-          <p:cNvPicPr>
-            <a:picLocks noChangeAspect="1"/>
-          </p:cNvPicPr>
-          <p:nvPr/>
-        </p:nvPicPr>
-        <p:blipFill>
-          <a:blip r:embed="rId18">
-            <a:extLst>
-              <a:ext uri="{28A0092B-C50C-407E-A947-70E740481C1C}">
-                <a14:useLocalDpi xmlns:a14="http://schemas.microsoft.com/office/drawing/2010/main" val="0"/>
-              </a:ext>
-            </a:extLst>
-          </a:blip>
-          <a:stretch>
-            <a:fillRect/>
-          </a:stretch>
-        </p:blipFill>
-        <p:spPr>
-          <a:xfrm>
-            <a:off x="2255985" y="26210105"/>
-            <a:ext cx="3809152" cy="7042646"/>
-          </a:xfrm>
-          <a:prstGeom prst="rect">
-            <a:avLst/>
-          </a:prstGeom>
-        </p:spPr>
-      </p:pic>
-      <p:pic>
-        <p:nvPicPr>
-          <p:cNvPr id="55" name="Imagem 54" descr="Interface gráfica do usuário, Aplicativo&#10;&#10;O conteúdo gerado por IA pode estar incorreto.">
-            <a:extLst>
-              <a:ext uri="{FF2B5EF4-FFF2-40B4-BE49-F238E27FC236}">
-                <a16:creationId xmlns:a16="http://schemas.microsoft.com/office/drawing/2014/main" id="{E959B3AA-39C3-5770-B50E-8051B104CAD7}"/>
-              </a:ext>
-            </a:extLst>
-          </p:cNvPr>
-          <p:cNvPicPr>
-            <a:picLocks noChangeAspect="1"/>
-          </p:cNvPicPr>
-          <p:nvPr/>
-        </p:nvPicPr>
-        <p:blipFill>
-          <a:blip r:embed="rId19">
-            <a:extLst>
-              <a:ext uri="{28A0092B-C50C-407E-A947-70E740481C1C}">
-                <a14:useLocalDpi xmlns:a14="http://schemas.microsoft.com/office/drawing/2010/main" val="0"/>
-              </a:ext>
-            </a:extLst>
-          </a:blip>
-          <a:stretch>
-            <a:fillRect/>
-          </a:stretch>
-        </p:blipFill>
-        <p:spPr>
-          <a:xfrm>
-            <a:off x="6713705" y="18847117"/>
-            <a:ext cx="3603020" cy="7132510"/>
-          </a:xfrm>
-          <a:prstGeom prst="rect">
-            <a:avLst/>
-          </a:prstGeom>
-        </p:spPr>
-      </p:pic>
-      <p:pic>
-        <p:nvPicPr>
-          <p:cNvPr id="57" name="Imagem 56" descr="Interface gráfica do usuário&#10;&#10;O conteúdo gerado por IA pode estar incorreto.">
-            <a:extLst>
-              <a:ext uri="{FF2B5EF4-FFF2-40B4-BE49-F238E27FC236}">
-                <a16:creationId xmlns:a16="http://schemas.microsoft.com/office/drawing/2014/main" id="{0466FA70-F8D4-3A38-017F-54D92B813AC6}"/>
-              </a:ext>
-            </a:extLst>
-          </p:cNvPr>
-          <p:cNvPicPr>
-            <a:picLocks noChangeAspect="1"/>
-          </p:cNvPicPr>
-          <p:nvPr/>
-        </p:nvPicPr>
-        <p:blipFill>
-          <a:blip r:embed="rId20">
-            <a:extLst>
-              <a:ext uri="{28A0092B-C50C-407E-A947-70E740481C1C}">
-                <a14:useLocalDpi xmlns:a14="http://schemas.microsoft.com/office/drawing/2010/main" val="0"/>
-              </a:ext>
-            </a:extLst>
-          </a:blip>
-          <a:stretch>
-            <a:fillRect/>
-          </a:stretch>
-        </p:blipFill>
-        <p:spPr>
-          <a:xfrm>
-            <a:off x="6636510" y="26208324"/>
-            <a:ext cx="3731699" cy="7157020"/>
-          </a:xfrm>
-          <a:prstGeom prst="rect">
-            <a:avLst/>
-          </a:prstGeom>
-        </p:spPr>
-      </p:pic>
-      <p:pic>
-        <p:nvPicPr>
-          <p:cNvPr id="59" name="Imagem 58" descr="Interface gráfica do usuário, Aplicativo&#10;&#10;O conteúdo gerado por IA pode estar incorreto.">
-            <a:extLst>
-              <a:ext uri="{FF2B5EF4-FFF2-40B4-BE49-F238E27FC236}">
-                <a16:creationId xmlns:a16="http://schemas.microsoft.com/office/drawing/2014/main" id="{B9591974-087D-8CB2-9488-DC83918AB8EE}"/>
-              </a:ext>
-            </a:extLst>
-          </p:cNvPr>
-          <p:cNvPicPr>
-            <a:picLocks noChangeAspect="1"/>
-          </p:cNvPicPr>
-          <p:nvPr/>
-        </p:nvPicPr>
-        <p:blipFill>
-          <a:blip r:embed="rId21">
-            <a:extLst>
-              <a:ext uri="{28A0092B-C50C-407E-A947-70E740481C1C}">
-                <a14:useLocalDpi xmlns:a14="http://schemas.microsoft.com/office/drawing/2010/main" val="0"/>
-              </a:ext>
-            </a:extLst>
-          </a:blip>
-          <a:stretch>
-            <a:fillRect/>
-          </a:stretch>
-        </p:blipFill>
-        <p:spPr>
-          <a:xfrm>
-            <a:off x="2378291" y="18782618"/>
-            <a:ext cx="3596893" cy="7101872"/>
-          </a:xfrm>
-          <a:prstGeom prst="rect">
-            <a:avLst/>
-          </a:prstGeom>
-        </p:spPr>
-      </p:pic>
-      <p:pic>
-        <p:nvPicPr>
-          <p:cNvPr id="4099" name="Imagem 4098">
-            <a:extLst>
-              <a:ext uri="{FF2B5EF4-FFF2-40B4-BE49-F238E27FC236}">
-                <a16:creationId xmlns:a16="http://schemas.microsoft.com/office/drawing/2014/main" id="{DC769455-D84B-7CDB-9BC7-563FFA1CD8B1}"/>
-              </a:ext>
-            </a:extLst>
-          </p:cNvPr>
-          <p:cNvPicPr>
-            <a:picLocks noChangeAspect="1"/>
-          </p:cNvPicPr>
-          <p:nvPr/>
-        </p:nvPicPr>
-        <p:blipFill>
-          <a:blip r:embed="rId22"/>
-          <a:stretch>
-            <a:fillRect/>
-          </a:stretch>
-        </p:blipFill>
-        <p:spPr>
-          <a:xfrm>
-            <a:off x="13073293" y="25524105"/>
-            <a:ext cx="13981847" cy="7485404"/>
+            <a:off x="17158157" y="12838600"/>
+            <a:ext cx="10846124" cy="19291382"/>
           </a:xfrm>
           <a:prstGeom prst="rect">
             <a:avLst/>
@@ -7839,26 +7377,6 @@
 </file>
 
 <file path=customXml/item1.xml><?xml version="1.0" encoding="utf-8"?>
-<p:properties xmlns:p="http://schemas.microsoft.com/office/2006/metadata/properties" xmlns:xsi="http://www.w3.org/2001/XMLSchema-instance" xmlns:pc="http://schemas.microsoft.com/office/infopath/2007/PartnerControls">
-  <documentManagement>
-    <lcf76f155ced4ddcb4097134ff3c332f xmlns="8ca2a57e-8138-4b57-956a-eb6e2c7049cc">
-      <Terms xmlns="http://schemas.microsoft.com/office/infopath/2007/PartnerControls"/>
-    </lcf76f155ced4ddcb4097134ff3c332f>
-    <TaxCatchAll xmlns="1d2798d9-1030-4cc5-be7b-200f9e628651" xsi:nil="true"/>
-  </documentManagement>
-</p:properties>
-</file>
-
-<file path=customXml/item2.xml><?xml version="1.0" encoding="utf-8"?>
-<?mso-contentType ?>
-<FormTemplates xmlns="http://schemas.microsoft.com/sharepoint/v3/contenttype/forms">
-  <Display>DocumentLibraryForm</Display>
-  <Edit>DocumentLibraryForm</Edit>
-  <New>DocumentLibraryForm</New>
-</FormTemplates>
-</file>
-
-<file path=customXml/item3.xml><?xml version="1.0" encoding="utf-8"?>
 <ct:contentTypeSchema xmlns:ct="http://schemas.microsoft.com/office/2006/metadata/contentType" xmlns:ma="http://schemas.microsoft.com/office/2006/metadata/properties/metaAttributes" ct:_="" ma:_="" ma:contentTypeName="Documento" ma:contentTypeID="0x01010045364877AF745B4281652B53F43C594A" ma:contentTypeVersion="15" ma:contentTypeDescription="Crie um novo documento." ma:contentTypeScope="" ma:versionID="440a6fbbcbce65e3f8e2bed610644788">
   <xsd:schema xmlns:xsd="http://www.w3.org/2001/XMLSchema" xmlns:xs="http://www.w3.org/2001/XMLSchema" xmlns:p="http://schemas.microsoft.com/office/2006/metadata/properties" xmlns:ns2="1d2798d9-1030-4cc5-be7b-200f9e628651" xmlns:ns3="8ca2a57e-8138-4b57-956a-eb6e2c7049cc" targetNamespace="http://schemas.microsoft.com/office/2006/metadata/properties" ma:root="true" ma:fieldsID="3ff20d9b6411658b7762fa2c08d7e1af" ns2:_="" ns3:_="">
     <xsd:import namespace="1d2798d9-1030-4cc5-be7b-200f9e628651"/>
@@ -8093,32 +7611,27 @@
 </ct:contentTypeSchema>
 </file>
 
-<file path=customXml/itemProps1.xml><?xml version="1.0" encoding="utf-8"?>
-<ds:datastoreItem xmlns:ds="http://schemas.openxmlformats.org/officeDocument/2006/customXml" ds:itemID="{8C580D08-C850-4D98-9BB0-6190D1509D8A}">
-  <ds:schemaRefs>
-    <ds:schemaRef ds:uri="http://www.w3.org/XML/1998/namespace"/>
-    <ds:schemaRef ds:uri="1d2798d9-1030-4cc5-be7b-200f9e628651"/>
-    <ds:schemaRef ds:uri="http://purl.org/dc/elements/1.1/"/>
-    <ds:schemaRef ds:uri="http://schemas.microsoft.com/office/2006/documentManagement/types"/>
-    <ds:schemaRef ds:uri="http://purl.org/dc/dcmitype/"/>
-    <ds:schemaRef ds:uri="http://schemas.microsoft.com/office/2006/metadata/properties"/>
-    <ds:schemaRef ds:uri="http://schemas.microsoft.com/office/infopath/2007/PartnerControls"/>
-    <ds:schemaRef ds:uri="http://schemas.openxmlformats.org/package/2006/metadata/core-properties"/>
-    <ds:schemaRef ds:uri="8ca2a57e-8138-4b57-956a-eb6e2c7049cc"/>
-    <ds:schemaRef ds:uri="http://purl.org/dc/terms/"/>
-  </ds:schemaRefs>
-</ds:datastoreItem>
+<file path=customXml/item2.xml><?xml version="1.0" encoding="utf-8"?>
+<p:properties xmlns:p="http://schemas.microsoft.com/office/2006/metadata/properties" xmlns:xsi="http://www.w3.org/2001/XMLSchema-instance" xmlns:pc="http://schemas.microsoft.com/office/infopath/2007/PartnerControls">
+  <documentManagement>
+    <lcf76f155ced4ddcb4097134ff3c332f xmlns="8ca2a57e-8138-4b57-956a-eb6e2c7049cc">
+      <Terms xmlns="http://schemas.microsoft.com/office/infopath/2007/PartnerControls"/>
+    </lcf76f155ced4ddcb4097134ff3c332f>
+    <TaxCatchAll xmlns="1d2798d9-1030-4cc5-be7b-200f9e628651" xsi:nil="true"/>
+  </documentManagement>
+</p:properties>
 </file>
 
-<file path=customXml/itemProps2.xml><?xml version="1.0" encoding="utf-8"?>
-<ds:datastoreItem xmlns:ds="http://schemas.openxmlformats.org/officeDocument/2006/customXml" ds:itemID="{20511531-72C6-41EA-909D-35A50B0891E1}">
-  <ds:schemaRefs>
-    <ds:schemaRef ds:uri="http://schemas.microsoft.com/sharepoint/v3/contenttype/forms"/>
-  </ds:schemaRefs>
-</ds:datastoreItem>
+<file path=customXml/item3.xml><?xml version="1.0" encoding="utf-8"?>
+<?mso-contentType ?>
+<FormTemplates xmlns="http://schemas.microsoft.com/sharepoint/v3/contenttype/forms">
+  <Display>DocumentLibraryForm</Display>
+  <Edit>DocumentLibraryForm</Edit>
+  <New>DocumentLibraryForm</New>
+</FormTemplates>
 </file>
 
-<file path=customXml/itemProps3.xml><?xml version="1.0" encoding="utf-8"?>
+<file path=customXml/itemProps1.xml><?xml version="1.0" encoding="utf-8"?>
 <ds:datastoreItem xmlns:ds="http://schemas.openxmlformats.org/officeDocument/2006/customXml" ds:itemID="{B0583F25-0BD0-426F-9D18-6079E5A02729}">
   <ds:schemaRefs>
     <ds:schemaRef ds:uri="http://schemas.microsoft.com/office/2006/metadata/contentType"/>
@@ -8135,4 +7648,29 @@
     <ds:schemaRef ds:uri="http://schemas.microsoft.com/internal/obd"/>
   </ds:schemaRefs>
 </ds:datastoreItem>
+</file>
+
+<file path=customXml/itemProps2.xml><?xml version="1.0" encoding="utf-8"?>
+<ds:datastoreItem xmlns:ds="http://schemas.openxmlformats.org/officeDocument/2006/customXml" ds:itemID="{8C580D08-C850-4D98-9BB0-6190D1509D8A}">
+  <ds:schemaRefs>
+    <ds:schemaRef ds:uri="http://www.w3.org/XML/1998/namespace"/>
+    <ds:schemaRef ds:uri="1d2798d9-1030-4cc5-be7b-200f9e628651"/>
+    <ds:schemaRef ds:uri="http://schemas.microsoft.com/office/infopath/2007/PartnerControls"/>
+    <ds:schemaRef ds:uri="http://schemas.microsoft.com/office/2006/documentManagement/types"/>
+    <ds:schemaRef ds:uri="http://schemas.openxmlformats.org/package/2006/metadata/core-properties"/>
+    <ds:schemaRef ds:uri="8ca2a57e-8138-4b57-956a-eb6e2c7049cc"/>
+    <ds:schemaRef ds:uri="http://purl.org/dc/elements/1.1/"/>
+    <ds:schemaRef ds:uri="http://purl.org/dc/terms/"/>
+    <ds:schemaRef ds:uri="http://purl.org/dc/dcmitype/"/>
+    <ds:schemaRef ds:uri="http://schemas.microsoft.com/office/2006/metadata/properties"/>
+  </ds:schemaRefs>
+</ds:datastoreItem>
+</file>
+
+<file path=customXml/itemProps3.xml><?xml version="1.0" encoding="utf-8"?>
+<ds:datastoreItem xmlns:ds="http://schemas.openxmlformats.org/officeDocument/2006/customXml" ds:itemID="{20511531-72C6-41EA-909D-35A50B0891E1}">
+  <ds:schemaRefs>
+    <ds:schemaRef ds:uri="http://schemas.microsoft.com/sharepoint/v3/contenttype/forms"/>
+  </ds:schemaRefs>
+</ds:datastoreItem>
 </file>